--- a/workflow.pptx
+++ b/workflow.pptx
@@ -3295,7 +3295,7 @@
         </p:nvSpPr>
         <p:spPr>
           <a:xfrm>
-            <a:off x="360384" y="4607748"/>
+            <a:off x="471931" y="5831959"/>
             <a:ext cx="1329984" cy="772279"/>
           </a:xfrm>
           <a:prstGeom prst="roundRect">
@@ -4013,15 +4013,15 @@
         <p:nvCxnSpPr>
           <p:cNvPr id="57" name="Straight Arrow Connector 56"/>
           <p:cNvCxnSpPr>
-            <a:stCxn id="20" idx="1"/>
+            <a:stCxn id="19" idx="1"/>
             <a:endCxn id="7" idx="3"/>
           </p:cNvCxnSpPr>
           <p:nvPr/>
         </p:nvCxnSpPr>
         <p:spPr>
           <a:xfrm flipH="1">
-            <a:off x="1690368" y="4993888"/>
-            <a:ext cx="746506" cy="0"/>
+            <a:off x="1801915" y="6218099"/>
+            <a:ext cx="634959" cy="0"/>
           </a:xfrm>
           <a:prstGeom prst="straightConnector1">
             <a:avLst/>
@@ -4354,8 +4354,8 @@
         </p:nvCxnSpPr>
         <p:spPr>
           <a:xfrm>
-            <a:off x="1025376" y="5380027"/>
-            <a:ext cx="1411498" cy="2157651"/>
+            <a:off x="1136923" y="6604238"/>
+            <a:ext cx="1299951" cy="933440"/>
           </a:xfrm>
           <a:prstGeom prst="straightConnector1">
             <a:avLst/>
@@ -4388,7 +4388,7 @@
         </p:nvSpPr>
         <p:spPr>
           <a:xfrm>
-            <a:off x="373256" y="6904300"/>
+            <a:off x="471931" y="7481275"/>
             <a:ext cx="1329984" cy="885083"/>
           </a:xfrm>
           <a:prstGeom prst="roundRect">
@@ -4441,8 +4441,8 @@
         </p:nvCxnSpPr>
         <p:spPr>
           <a:xfrm>
-            <a:off x="1025376" y="5380027"/>
-            <a:ext cx="12872" cy="1524273"/>
+            <a:off x="1136923" y="6604238"/>
+            <a:ext cx="0" cy="877037"/>
           </a:xfrm>
           <a:prstGeom prst="straightConnector1">
             <a:avLst/>
@@ -4479,6 +4479,91 @@
         <p:spPr>
           <a:xfrm>
             <a:off x="5948557" y="4749056"/>
+            <a:ext cx="497672" cy="480529"/>
+          </a:xfrm>
+          <a:prstGeom prst="actionButtonHelp">
+            <a:avLst/>
+          </a:prstGeom>
+        </p:spPr>
+        <p:style>
+          <a:lnRef idx="1">
+            <a:schemeClr val="accent6"/>
+          </a:lnRef>
+          <a:fillRef idx="3">
+            <a:schemeClr val="accent6"/>
+          </a:fillRef>
+          <a:effectRef idx="2">
+            <a:schemeClr val="accent6"/>
+          </a:effectRef>
+          <a:fontRef idx="minor">
+            <a:schemeClr val="lt1"/>
+          </a:fontRef>
+        </p:style>
+        <p:txBody>
+          <a:bodyPr rtlCol="0" anchor="ctr"/>
+          <a:lstStyle/>
+          <a:p>
+            <a:pPr algn="ctr"/>
+            <a:endParaRPr lang="en-US"/>
+          </a:p>
+        </p:txBody>
+      </p:sp>
+      <p:sp>
+        <p:nvSpPr>
+          <p:cNvPr id="170" name="Rounded Rectangle 169"/>
+          <p:cNvSpPr/>
+          <p:nvPr/>
+        </p:nvSpPr>
+        <p:spPr>
+          <a:xfrm>
+            <a:off x="471931" y="3442004"/>
+            <a:ext cx="1329984" cy="772279"/>
+          </a:xfrm>
+          <a:prstGeom prst="roundRect">
+            <a:avLst/>
+          </a:prstGeom>
+          <a:solidFill>
+            <a:srgbClr val="F2DCDB"/>
+          </a:solidFill>
+        </p:spPr>
+        <p:style>
+          <a:lnRef idx="2">
+            <a:schemeClr val="dk1"/>
+          </a:lnRef>
+          <a:fillRef idx="1">
+            <a:schemeClr val="lt1"/>
+          </a:fillRef>
+          <a:effectRef idx="0">
+            <a:schemeClr val="dk1"/>
+          </a:effectRef>
+          <a:fontRef idx="minor">
+            <a:schemeClr val="dk1"/>
+          </a:fontRef>
+        </p:style>
+        <p:txBody>
+          <a:bodyPr rtlCol="0" anchor="ctr"/>
+          <a:lstStyle/>
+          <a:p>
+            <a:pPr algn="ctr"/>
+            <a:r>
+              <a:rPr lang="en-US" dirty="0" smtClean="0"/>
+              <a:t>smooth</a:t>
+            </a:r>
+            <a:endParaRPr lang="en-US" dirty="0"/>
+          </a:p>
+        </p:txBody>
+      </p:sp>
+      <p:sp>
+        <p:nvSpPr>
+          <p:cNvPr id="171" name="Action Button: Help 170">
+            <a:hlinkClick r:id="" action="ppaction://noaction" highlightClick="1"/>
+          </p:cNvPr>
+          <p:cNvSpPr/>
+          <p:nvPr/>
+        </p:nvSpPr>
+        <p:spPr>
+          <a:xfrm>
+            <a:off x="1553079" y="3587879"/>
             <a:ext cx="497672" cy="480529"/>
           </a:xfrm>
           <a:prstGeom prst="actionButtonHelp">

--- a/workflow.pptx
+++ b/workflow.pptx
@@ -4508,91 +4508,106 @@
           </a:p>
         </p:txBody>
       </p:sp>
-      <p:sp>
-        <p:nvSpPr>
-          <p:cNvPr id="170" name="Rounded Rectangle 169"/>
-          <p:cNvSpPr/>
+      <p:grpSp>
+        <p:nvGrpSpPr>
+          <p:cNvPr id="2" name="Group 1"/>
+          <p:cNvGrpSpPr/>
           <p:nvPr/>
-        </p:nvSpPr>
-        <p:spPr>
-          <a:xfrm>
-            <a:off x="471931" y="3442004"/>
-            <a:ext cx="1329984" cy="772279"/>
-          </a:xfrm>
-          <a:prstGeom prst="roundRect">
-            <a:avLst/>
-          </a:prstGeom>
-          <a:solidFill>
-            <a:srgbClr val="F2DCDB"/>
-          </a:solidFill>
-        </p:spPr>
-        <p:style>
-          <a:lnRef idx="2">
-            <a:schemeClr val="dk1"/>
-          </a:lnRef>
-          <a:fillRef idx="1">
-            <a:schemeClr val="lt1"/>
-          </a:fillRef>
-          <a:effectRef idx="0">
-            <a:schemeClr val="dk1"/>
-          </a:effectRef>
-          <a:fontRef idx="minor">
-            <a:schemeClr val="dk1"/>
-          </a:fontRef>
-        </p:style>
-        <p:txBody>
-          <a:bodyPr rtlCol="0" anchor="ctr"/>
-          <a:lstStyle/>
-          <a:p>
-            <a:pPr algn="ctr"/>
-            <a:r>
-              <a:rPr lang="en-US" dirty="0" smtClean="0"/>
-              <a:t>smooth</a:t>
-            </a:r>
-            <a:endParaRPr lang="en-US" dirty="0"/>
-          </a:p>
-        </p:txBody>
-      </p:sp>
-      <p:sp>
-        <p:nvSpPr>
-          <p:cNvPr id="171" name="Action Button: Help 170">
-            <a:hlinkClick r:id="" action="ppaction://noaction" highlightClick="1"/>
-          </p:cNvPr>
-          <p:cNvSpPr/>
-          <p:nvPr/>
-        </p:nvSpPr>
-        <p:spPr>
-          <a:xfrm>
-            <a:off x="1553079" y="3587879"/>
-            <a:ext cx="497672" cy="480529"/>
-          </a:xfrm>
-          <a:prstGeom prst="actionButtonHelp">
-            <a:avLst/>
-          </a:prstGeom>
-        </p:spPr>
-        <p:style>
-          <a:lnRef idx="1">
-            <a:schemeClr val="accent6"/>
-          </a:lnRef>
-          <a:fillRef idx="3">
-            <a:schemeClr val="accent6"/>
-          </a:fillRef>
-          <a:effectRef idx="2">
-            <a:schemeClr val="accent6"/>
-          </a:effectRef>
-          <a:fontRef idx="minor">
-            <a:schemeClr val="lt1"/>
-          </a:fontRef>
-        </p:style>
-        <p:txBody>
-          <a:bodyPr rtlCol="0" anchor="ctr"/>
-          <a:lstStyle/>
-          <a:p>
-            <a:pPr algn="ctr"/>
-            <a:endParaRPr lang="en-US"/>
-          </a:p>
-        </p:txBody>
-      </p:sp>
+        </p:nvGrpSpPr>
+        <p:grpSpPr>
+          <a:xfrm>
+            <a:off x="360384" y="4221609"/>
+            <a:ext cx="1578820" cy="772279"/>
+            <a:chOff x="360384" y="4221609"/>
+            <a:chExt cx="1578820" cy="772279"/>
+          </a:xfrm>
+        </p:grpSpPr>
+        <p:sp>
+          <p:nvSpPr>
+            <p:cNvPr id="170" name="Rounded Rectangle 169"/>
+            <p:cNvSpPr/>
+            <p:nvPr/>
+          </p:nvSpPr>
+          <p:spPr>
+            <a:xfrm>
+              <a:off x="360384" y="4221609"/>
+              <a:ext cx="1329984" cy="772279"/>
+            </a:xfrm>
+            <a:prstGeom prst="roundRect">
+              <a:avLst/>
+            </a:prstGeom>
+            <a:solidFill>
+              <a:srgbClr val="F2DCDB"/>
+            </a:solidFill>
+          </p:spPr>
+          <p:style>
+            <a:lnRef idx="2">
+              <a:schemeClr val="dk1"/>
+            </a:lnRef>
+            <a:fillRef idx="1">
+              <a:schemeClr val="lt1"/>
+            </a:fillRef>
+            <a:effectRef idx="0">
+              <a:schemeClr val="dk1"/>
+            </a:effectRef>
+            <a:fontRef idx="minor">
+              <a:schemeClr val="dk1"/>
+            </a:fontRef>
+          </p:style>
+          <p:txBody>
+            <a:bodyPr rtlCol="0" anchor="ctr"/>
+            <a:lstStyle/>
+            <a:p>
+              <a:pPr algn="ctr"/>
+              <a:r>
+                <a:rPr lang="en-US" dirty="0" smtClean="0"/>
+                <a:t>smooth</a:t>
+              </a:r>
+              <a:endParaRPr lang="en-US" dirty="0"/>
+            </a:p>
+          </p:txBody>
+        </p:sp>
+        <p:sp>
+          <p:nvSpPr>
+            <p:cNvPr id="171" name="Action Button: Help 170">
+              <a:hlinkClick r:id="" action="ppaction://noaction" highlightClick="1"/>
+            </p:cNvPr>
+            <p:cNvSpPr/>
+            <p:nvPr/>
+          </p:nvSpPr>
+          <p:spPr>
+            <a:xfrm>
+              <a:off x="1441532" y="4384830"/>
+              <a:ext cx="497672" cy="480529"/>
+            </a:xfrm>
+            <a:prstGeom prst="actionButtonHelp">
+              <a:avLst/>
+            </a:prstGeom>
+          </p:spPr>
+          <p:style>
+            <a:lnRef idx="1">
+              <a:schemeClr val="accent6"/>
+            </a:lnRef>
+            <a:fillRef idx="3">
+              <a:schemeClr val="accent6"/>
+            </a:fillRef>
+            <a:effectRef idx="2">
+              <a:schemeClr val="accent6"/>
+            </a:effectRef>
+            <a:fontRef idx="minor">
+              <a:schemeClr val="lt1"/>
+            </a:fontRef>
+          </p:style>
+          <p:txBody>
+            <a:bodyPr rtlCol="0" anchor="ctr"/>
+            <a:lstStyle/>
+            <a:p>
+              <a:pPr algn="ctr"/>
+              <a:endParaRPr lang="en-US"/>
+            </a:p>
+          </p:txBody>
+        </p:sp>
+      </p:grpSp>
     </p:spTree>
     <p:extLst>
       <p:ext uri="{BB962C8B-B14F-4D97-AF65-F5344CB8AC3E}">

--- a/workflow.pptx
+++ b/workflow.pptx
@@ -4516,7 +4516,7 @@
         </p:nvGrpSpPr>
         <p:grpSpPr>
           <a:xfrm>
-            <a:off x="360384" y="4221609"/>
+            <a:off x="373256" y="3442004"/>
             <a:ext cx="1578820" cy="772279"/>
             <a:chOff x="360384" y="4221609"/>
             <a:chExt cx="1578820" cy="772279"/>

--- a/workflow.pptx
+++ b/workflow.pptx
@@ -288,7 +288,7 @@
           <a:p>
             <a:fld id="{E9FEAEC8-B7DF-AB4D-A829-E058579EA91B}" type="datetimeFigureOut">
               <a:rPr lang="en-US" smtClean="0"/>
-              <a:t>2/20/17</a:t>
+              <a:t>2/25/17</a:t>
             </a:fld>
             <a:endParaRPr lang="en-US"/>
           </a:p>
@@ -458,7 +458,7 @@
           <a:p>
             <a:fld id="{E9FEAEC8-B7DF-AB4D-A829-E058579EA91B}" type="datetimeFigureOut">
               <a:rPr lang="en-US" smtClean="0"/>
-              <a:t>2/20/17</a:t>
+              <a:t>2/25/17</a:t>
             </a:fld>
             <a:endParaRPr lang="en-US"/>
           </a:p>
@@ -638,7 +638,7 @@
           <a:p>
             <a:fld id="{E9FEAEC8-B7DF-AB4D-A829-E058579EA91B}" type="datetimeFigureOut">
               <a:rPr lang="en-US" smtClean="0"/>
-              <a:t>2/20/17</a:t>
+              <a:t>2/25/17</a:t>
             </a:fld>
             <a:endParaRPr lang="en-US"/>
           </a:p>
@@ -808,7 +808,7 @@
           <a:p>
             <a:fld id="{E9FEAEC8-B7DF-AB4D-A829-E058579EA91B}" type="datetimeFigureOut">
               <a:rPr lang="en-US" smtClean="0"/>
-              <a:t>2/20/17</a:t>
+              <a:t>2/25/17</a:t>
             </a:fld>
             <a:endParaRPr lang="en-US"/>
           </a:p>
@@ -1054,7 +1054,7 @@
           <a:p>
             <a:fld id="{E9FEAEC8-B7DF-AB4D-A829-E058579EA91B}" type="datetimeFigureOut">
               <a:rPr lang="en-US" smtClean="0"/>
-              <a:t>2/20/17</a:t>
+              <a:t>2/25/17</a:t>
             </a:fld>
             <a:endParaRPr lang="en-US"/>
           </a:p>
@@ -1342,7 +1342,7 @@
           <a:p>
             <a:fld id="{E9FEAEC8-B7DF-AB4D-A829-E058579EA91B}" type="datetimeFigureOut">
               <a:rPr lang="en-US" smtClean="0"/>
-              <a:t>2/20/17</a:t>
+              <a:t>2/25/17</a:t>
             </a:fld>
             <a:endParaRPr lang="en-US"/>
           </a:p>
@@ -1769,7 +1769,7 @@
           <a:p>
             <a:fld id="{E9FEAEC8-B7DF-AB4D-A829-E058579EA91B}" type="datetimeFigureOut">
               <a:rPr lang="en-US" smtClean="0"/>
-              <a:t>2/20/17</a:t>
+              <a:t>2/25/17</a:t>
             </a:fld>
             <a:endParaRPr lang="en-US"/>
           </a:p>
@@ -1887,7 +1887,7 @@
           <a:p>
             <a:fld id="{E9FEAEC8-B7DF-AB4D-A829-E058579EA91B}" type="datetimeFigureOut">
               <a:rPr lang="en-US" smtClean="0"/>
-              <a:t>2/20/17</a:t>
+              <a:t>2/25/17</a:t>
             </a:fld>
             <a:endParaRPr lang="en-US"/>
           </a:p>
@@ -1982,7 +1982,7 @@
           <a:p>
             <a:fld id="{E9FEAEC8-B7DF-AB4D-A829-E058579EA91B}" type="datetimeFigureOut">
               <a:rPr lang="en-US" smtClean="0"/>
-              <a:t>2/20/17</a:t>
+              <a:t>2/25/17</a:t>
             </a:fld>
             <a:endParaRPr lang="en-US"/>
           </a:p>
@@ -2259,7 +2259,7 @@
           <a:p>
             <a:fld id="{E9FEAEC8-B7DF-AB4D-A829-E058579EA91B}" type="datetimeFigureOut">
               <a:rPr lang="en-US" smtClean="0"/>
-              <a:t>2/20/17</a:t>
+              <a:t>2/25/17</a:t>
             </a:fld>
             <a:endParaRPr lang="en-US"/>
           </a:p>
@@ -2512,7 +2512,7 @@
           <a:p>
             <a:fld id="{E9FEAEC8-B7DF-AB4D-A829-E058579EA91B}" type="datetimeFigureOut">
               <a:rPr lang="en-US" smtClean="0"/>
-              <a:t>2/20/17</a:t>
+              <a:t>2/25/17</a:t>
             </a:fld>
             <a:endParaRPr lang="en-US"/>
           </a:p>
@@ -2725,7 +2725,7 @@
           <a:p>
             <a:fld id="{E9FEAEC8-B7DF-AB4D-A829-E058579EA91B}" type="datetimeFigureOut">
               <a:rPr lang="en-US" smtClean="0"/>
-              <a:t>2/20/17</a:t>
+              <a:t>2/25/17</a:t>
             </a:fld>
             <a:endParaRPr lang="en-US"/>
           </a:p>
@@ -3148,7 +3148,7 @@
         </p:nvSpPr>
         <p:spPr>
           <a:xfrm>
-            <a:off x="373256" y="1021125"/>
+            <a:off x="373256" y="961059"/>
             <a:ext cx="1329984" cy="772279"/>
           </a:xfrm>
           <a:prstGeom prst="roundRect">
@@ -3182,7 +3182,7 @@
             <a:pPr algn="ctr"/>
             <a:r>
               <a:rPr lang="en-US" dirty="0" smtClean="0"/>
-              <a:t>ASL</a:t>
+              <a:t>ASL Scan</a:t>
             </a:r>
             <a:endParaRPr lang="en-US" dirty="0"/>
           </a:p>
@@ -3238,57 +3238,6 @@
       </p:sp>
       <p:sp>
         <p:nvSpPr>
-          <p:cNvPr id="6" name="Rounded Rectangle 5"/>
-          <p:cNvSpPr/>
-          <p:nvPr/>
-        </p:nvSpPr>
-        <p:spPr>
-          <a:xfrm>
-            <a:off x="2436874" y="1021125"/>
-            <a:ext cx="1329984" cy="772279"/>
-          </a:xfrm>
-          <a:prstGeom prst="roundRect">
-            <a:avLst/>
-          </a:prstGeom>
-          <a:solidFill>
-            <a:schemeClr val="bg1">
-              <a:lumMod val="85000"/>
-            </a:schemeClr>
-          </a:solidFill>
-        </p:spPr>
-        <p:style>
-          <a:lnRef idx="2">
-            <a:schemeClr val="dk1"/>
-          </a:lnRef>
-          <a:fillRef idx="1">
-            <a:schemeClr val="lt1"/>
-          </a:fillRef>
-          <a:effectRef idx="0">
-            <a:schemeClr val="dk1"/>
-          </a:effectRef>
-          <a:fontRef idx="minor">
-            <a:schemeClr val="dk1"/>
-          </a:fontRef>
-        </p:style>
-        <p:txBody>
-          <a:bodyPr rtlCol="0" anchor="ctr"/>
-          <a:lstStyle/>
-          <a:p>
-            <a:pPr algn="ctr"/>
-            <a:r>
-              <a:rPr lang="en-US" dirty="0" smtClean="0"/>
-              <a:t>M0 </a:t>
-            </a:r>
-            <a:r>
-              <a:rPr lang="en-US" dirty="0" err="1" smtClean="0"/>
-              <a:t>calc</a:t>
-            </a:r>
-            <a:endParaRPr lang="en-US" dirty="0"/>
-          </a:p>
-        </p:txBody>
-      </p:sp>
-      <p:sp>
-        <p:nvSpPr>
           <p:cNvPr id="7" name="Rounded Rectangle 6"/>
           <p:cNvSpPr/>
           <p:nvPr/>
@@ -3338,51 +3287,6 @@
             <a:r>
               <a:rPr lang="en-US" dirty="0" err="1" smtClean="0"/>
               <a:t>cbf</a:t>
-            </a:r>
-            <a:endParaRPr lang="en-US" dirty="0"/>
-          </a:p>
-        </p:txBody>
-      </p:sp>
-      <p:sp>
-        <p:nvSpPr>
-          <p:cNvPr id="9" name="Rounded Rectangle 8"/>
-          <p:cNvSpPr/>
-          <p:nvPr/>
-        </p:nvSpPr>
-        <p:spPr>
-          <a:xfrm>
-            <a:off x="360384" y="2092037"/>
-            <a:ext cx="1329984" cy="772279"/>
-          </a:xfrm>
-          <a:prstGeom prst="roundRect">
-            <a:avLst/>
-          </a:prstGeom>
-          <a:solidFill>
-            <a:srgbClr val="F2DCDB"/>
-          </a:solidFill>
-        </p:spPr>
-        <p:style>
-          <a:lnRef idx="2">
-            <a:schemeClr val="dk1"/>
-          </a:lnRef>
-          <a:fillRef idx="1">
-            <a:schemeClr val="lt1"/>
-          </a:fillRef>
-          <a:effectRef idx="0">
-            <a:schemeClr val="dk1"/>
-          </a:effectRef>
-          <a:fontRef idx="minor">
-            <a:schemeClr val="dk1"/>
-          </a:fontRef>
-        </p:style>
-        <p:txBody>
-          <a:bodyPr rtlCol="0" anchor="ctr"/>
-          <a:lstStyle/>
-          <a:p>
-            <a:pPr algn="ctr"/>
-            <a:r>
-              <a:rPr lang="en-US" dirty="0" smtClean="0"/>
-              <a:t>slice-timing correction</a:t>
             </a:r>
             <a:endParaRPr lang="en-US" dirty="0"/>
           </a:p>
@@ -3777,14 +3681,14 @@
           <p:cNvPr id="22" name="Straight Arrow Connector 21"/>
           <p:cNvCxnSpPr>
             <a:stCxn id="4" idx="2"/>
-            <a:endCxn id="9" idx="0"/>
+            <a:endCxn id="39" idx="0"/>
           </p:cNvCxnSpPr>
           <p:nvPr/>
         </p:nvCxnSpPr>
         <p:spPr>
           <a:xfrm flipH="1">
-            <a:off x="1025376" y="1793404"/>
-            <a:ext cx="12872" cy="298633"/>
+            <a:off x="1025376" y="1733338"/>
+            <a:ext cx="12872" cy="358699"/>
           </a:xfrm>
           <a:prstGeom prst="straightConnector1">
             <a:avLst/>
@@ -3813,15 +3717,15 @@
         <p:nvCxnSpPr>
           <p:cNvPr id="23" name="Straight Arrow Connector 22"/>
           <p:cNvCxnSpPr>
-            <a:stCxn id="4" idx="3"/>
-            <a:endCxn id="6" idx="1"/>
+            <a:stCxn id="41" idx="2"/>
+            <a:endCxn id="24" idx="0"/>
           </p:cNvCxnSpPr>
           <p:nvPr/>
         </p:nvCxnSpPr>
         <p:spPr>
           <a:xfrm>
-            <a:off x="1703240" y="1407265"/>
-            <a:ext cx="733634" cy="0"/>
+            <a:off x="3101866" y="1733338"/>
+            <a:ext cx="0" cy="358699"/>
           </a:xfrm>
           <a:prstGeom prst="straightConnector1">
             <a:avLst/>
@@ -3902,7 +3806,6 @@
         <p:nvCxnSpPr>
           <p:cNvPr id="28" name="Straight Arrow Connector 27"/>
           <p:cNvCxnSpPr>
-            <a:stCxn id="9" idx="3"/>
             <a:endCxn id="24" idx="1"/>
           </p:cNvCxnSpPr>
           <p:nvPr/>
@@ -3911,43 +3814,6 @@
           <a:xfrm>
             <a:off x="1690368" y="2478177"/>
             <a:ext cx="746506" cy="0"/>
-          </a:xfrm>
-          <a:prstGeom prst="straightConnector1">
-            <a:avLst/>
-          </a:prstGeom>
-          <a:ln>
-            <a:tailEnd type="arrow"/>
-          </a:ln>
-          <a:effectLst/>
-        </p:spPr>
-        <p:style>
-          <a:lnRef idx="2">
-            <a:schemeClr val="dk1"/>
-          </a:lnRef>
-          <a:fillRef idx="0">
-            <a:schemeClr val="dk1"/>
-          </a:fillRef>
-          <a:effectRef idx="1">
-            <a:schemeClr val="dk1"/>
-          </a:effectRef>
-          <a:fontRef idx="minor">
-            <a:schemeClr val="tx1"/>
-          </a:fontRef>
-        </p:style>
-      </p:cxnSp>
-      <p:cxnSp>
-        <p:nvCxnSpPr>
-          <p:cNvPr id="38" name="Straight Arrow Connector 37"/>
-          <p:cNvCxnSpPr>
-            <a:stCxn id="6" idx="2"/>
-            <a:endCxn id="24" idx="0"/>
-          </p:cNvCxnSpPr>
-          <p:nvPr/>
-        </p:nvCxnSpPr>
-        <p:spPr>
-          <a:xfrm>
-            <a:off x="3101866" y="1793404"/>
-            <a:ext cx="0" cy="298633"/>
           </a:xfrm>
           <a:prstGeom prst="straightConnector1">
             <a:avLst/>
@@ -4608,6 +4474,138 @@
           </p:txBody>
         </p:sp>
       </p:grpSp>
+      <p:sp>
+        <p:nvSpPr>
+          <p:cNvPr id="39" name="Rounded Rectangle 38"/>
+          <p:cNvSpPr/>
+          <p:nvPr/>
+        </p:nvSpPr>
+        <p:spPr>
+          <a:xfrm>
+            <a:off x="360384" y="2092037"/>
+            <a:ext cx="1329984" cy="772279"/>
+          </a:xfrm>
+          <a:prstGeom prst="roundRect">
+            <a:avLst/>
+          </a:prstGeom>
+          <a:solidFill>
+            <a:schemeClr val="accent2">
+              <a:lumMod val="20000"/>
+              <a:lumOff val="80000"/>
+            </a:schemeClr>
+          </a:solidFill>
+        </p:spPr>
+        <p:style>
+          <a:lnRef idx="2">
+            <a:schemeClr val="dk1"/>
+          </a:lnRef>
+          <a:fillRef idx="1">
+            <a:schemeClr val="lt1"/>
+          </a:fillRef>
+          <a:effectRef idx="0">
+            <a:schemeClr val="dk1"/>
+          </a:effectRef>
+          <a:fontRef idx="minor">
+            <a:schemeClr val="dk1"/>
+          </a:fontRef>
+        </p:style>
+        <p:txBody>
+          <a:bodyPr rtlCol="0" anchor="ctr"/>
+          <a:lstStyle/>
+          <a:p>
+            <a:pPr algn="ctr"/>
+            <a:r>
+              <a:rPr lang="en-US" dirty="0" smtClean="0"/>
+              <a:t>Bias correction</a:t>
+            </a:r>
+            <a:endParaRPr lang="en-US" dirty="0"/>
+          </a:p>
+        </p:txBody>
+      </p:sp>
+      <p:sp>
+        <p:nvSpPr>
+          <p:cNvPr id="41" name="Rounded Rectangle 40"/>
+          <p:cNvSpPr/>
+          <p:nvPr/>
+        </p:nvSpPr>
+        <p:spPr>
+          <a:xfrm>
+            <a:off x="2436874" y="961059"/>
+            <a:ext cx="1329984" cy="772279"/>
+          </a:xfrm>
+          <a:prstGeom prst="roundRect">
+            <a:avLst/>
+          </a:prstGeom>
+          <a:solidFill>
+            <a:schemeClr val="bg1">
+              <a:lumMod val="85000"/>
+            </a:schemeClr>
+          </a:solidFill>
+        </p:spPr>
+        <p:style>
+          <a:lnRef idx="2">
+            <a:schemeClr val="dk1"/>
+          </a:lnRef>
+          <a:fillRef idx="1">
+            <a:schemeClr val="lt1"/>
+          </a:fillRef>
+          <a:effectRef idx="0">
+            <a:schemeClr val="dk1"/>
+          </a:effectRef>
+          <a:fontRef idx="minor">
+            <a:schemeClr val="dk1"/>
+          </a:fontRef>
+        </p:style>
+        <p:txBody>
+          <a:bodyPr rtlCol="0" anchor="ctr"/>
+          <a:lstStyle/>
+          <a:p>
+            <a:pPr algn="ctr"/>
+            <a:r>
+              <a:rPr lang="en-US" dirty="0" smtClean="0"/>
+              <a:t>Smoothing</a:t>
+            </a:r>
+            <a:endParaRPr lang="en-US" dirty="0"/>
+          </a:p>
+        </p:txBody>
+      </p:sp>
+      <p:cxnSp>
+        <p:nvCxnSpPr>
+          <p:cNvPr id="44" name="Straight Arrow Connector 43"/>
+          <p:cNvCxnSpPr>
+            <a:stCxn id="4" idx="3"/>
+            <a:endCxn id="41" idx="1"/>
+          </p:cNvCxnSpPr>
+          <p:nvPr/>
+        </p:nvCxnSpPr>
+        <p:spPr>
+          <a:xfrm>
+            <a:off x="1703240" y="1347199"/>
+            <a:ext cx="733634" cy="0"/>
+          </a:xfrm>
+          <a:prstGeom prst="straightConnector1">
+            <a:avLst/>
+          </a:prstGeom>
+          <a:ln>
+            <a:tailEnd type="arrow"/>
+          </a:ln>
+          <a:effectLst/>
+        </p:spPr>
+        <p:style>
+          <a:lnRef idx="2">
+            <a:schemeClr val="dk1"/>
+          </a:lnRef>
+          <a:fillRef idx="0">
+            <a:schemeClr val="dk1"/>
+          </a:fillRef>
+          <a:effectRef idx="1">
+            <a:schemeClr val="dk1"/>
+          </a:effectRef>
+          <a:fontRef idx="minor">
+            <a:schemeClr val="tx1"/>
+          </a:fontRef>
+        </p:style>
+      </p:cxnSp>
     </p:spTree>
     <p:extLst>
       <p:ext uri="{BB962C8B-B14F-4D97-AF65-F5344CB8AC3E}">

--- a/workflow.pptx
+++ b/workflow.pptx
@@ -5,9 +5,10 @@
     <p:sldMasterId id="2147483648" r:id="rId1"/>
   </p:sldMasterIdLst>
   <p:sldIdLst>
-    <p:sldId id="256" r:id="rId2"/>
+    <p:sldId id="257" r:id="rId2"/>
+    <p:sldId id="258" r:id="rId3"/>
   </p:sldIdLst>
-  <p:sldSz cx="6858000" cy="9144000" type="screen4x3"/>
+  <p:sldSz cx="9144000" cy="6858000" type="screen4x3"/>
   <p:notesSz cx="6858000" cy="9144000"/>
   <p:defaultTextStyle>
     <a:defPPr>
@@ -136,8 +137,8 @@
         </p:nvSpPr>
         <p:spPr>
           <a:xfrm>
-            <a:off x="514350" y="2840568"/>
-            <a:ext cx="5829300" cy="1960033"/>
+            <a:off x="685800" y="2130426"/>
+            <a:ext cx="7772400" cy="1470025"/>
           </a:xfrm>
         </p:spPr>
         <p:txBody>
@@ -164,8 +165,8 @@
         </p:nvSpPr>
         <p:spPr>
           <a:xfrm>
-            <a:off x="1028700" y="5181600"/>
-            <a:ext cx="4800600" cy="2336800"/>
+            <a:off x="1371600" y="3886200"/>
+            <a:ext cx="6400800" cy="1752600"/>
           </a:xfrm>
         </p:spPr>
         <p:txBody>
@@ -288,7 +289,7 @@
           <a:p>
             <a:fld id="{E9FEAEC8-B7DF-AB4D-A829-E058579EA91B}" type="datetimeFigureOut">
               <a:rPr lang="en-US" smtClean="0"/>
-              <a:t>2/25/17</a:t>
+              <a:t>3/22/17</a:t>
             </a:fld>
             <a:endParaRPr lang="en-US"/>
           </a:p>
@@ -458,7 +459,7 @@
           <a:p>
             <a:fld id="{E9FEAEC8-B7DF-AB4D-A829-E058579EA91B}" type="datetimeFigureOut">
               <a:rPr lang="en-US" smtClean="0"/>
-              <a:t>2/25/17</a:t>
+              <a:t>3/22/17</a:t>
             </a:fld>
             <a:endParaRPr lang="en-US"/>
           </a:p>
@@ -548,8 +549,8 @@
         </p:nvSpPr>
         <p:spPr>
           <a:xfrm>
-            <a:off x="3729037" y="488951"/>
-            <a:ext cx="1157288" cy="10401300"/>
+            <a:off x="4972049" y="366713"/>
+            <a:ext cx="1543051" cy="7800975"/>
           </a:xfrm>
         </p:spPr>
         <p:txBody>
@@ -576,8 +577,8 @@
         </p:nvSpPr>
         <p:spPr>
           <a:xfrm>
-            <a:off x="257175" y="488951"/>
-            <a:ext cx="3357563" cy="10401300"/>
+            <a:off x="342901" y="366713"/>
+            <a:ext cx="4476751" cy="7800975"/>
           </a:xfrm>
         </p:spPr>
         <p:txBody>
@@ -638,7 +639,7 @@
           <a:p>
             <a:fld id="{E9FEAEC8-B7DF-AB4D-A829-E058579EA91B}" type="datetimeFigureOut">
               <a:rPr lang="en-US" smtClean="0"/>
-              <a:t>2/25/17</a:t>
+              <a:t>3/22/17</a:t>
             </a:fld>
             <a:endParaRPr lang="en-US"/>
           </a:p>
@@ -808,7 +809,7 @@
           <a:p>
             <a:fld id="{E9FEAEC8-B7DF-AB4D-A829-E058579EA91B}" type="datetimeFigureOut">
               <a:rPr lang="en-US" smtClean="0"/>
-              <a:t>2/25/17</a:t>
+              <a:t>3/22/17</a:t>
             </a:fld>
             <a:endParaRPr lang="en-US"/>
           </a:p>
@@ -898,8 +899,8 @@
         </p:nvSpPr>
         <p:spPr>
           <a:xfrm>
-            <a:off x="541735" y="5875867"/>
-            <a:ext cx="5829300" cy="1816100"/>
+            <a:off x="722313" y="4406900"/>
+            <a:ext cx="7772400" cy="1362075"/>
           </a:xfrm>
         </p:spPr>
         <p:txBody>
@@ -930,8 +931,8 @@
         </p:nvSpPr>
         <p:spPr>
           <a:xfrm>
-            <a:off x="541735" y="3875618"/>
-            <a:ext cx="5829300" cy="2000249"/>
+            <a:off x="722313" y="2906714"/>
+            <a:ext cx="7772400" cy="1500187"/>
           </a:xfrm>
         </p:spPr>
         <p:txBody>
@@ -1054,7 +1055,7 @@
           <a:p>
             <a:fld id="{E9FEAEC8-B7DF-AB4D-A829-E058579EA91B}" type="datetimeFigureOut">
               <a:rPr lang="en-US" smtClean="0"/>
-              <a:t>2/25/17</a:t>
+              <a:t>3/22/17</a:t>
             </a:fld>
             <a:endParaRPr lang="en-US"/>
           </a:p>
@@ -1167,8 +1168,8 @@
         </p:nvSpPr>
         <p:spPr>
           <a:xfrm>
-            <a:off x="257175" y="2844800"/>
-            <a:ext cx="2257425" cy="8045451"/>
+            <a:off x="342901" y="2133601"/>
+            <a:ext cx="3009900" cy="6034088"/>
           </a:xfrm>
         </p:spPr>
         <p:txBody>
@@ -1252,8 +1253,8 @@
         </p:nvSpPr>
         <p:spPr>
           <a:xfrm>
-            <a:off x="2628900" y="2844800"/>
-            <a:ext cx="2257425" cy="8045451"/>
+            <a:off x="3505201" y="2133601"/>
+            <a:ext cx="3009900" cy="6034088"/>
           </a:xfrm>
         </p:spPr>
         <p:txBody>
@@ -1342,7 +1343,7 @@
           <a:p>
             <a:fld id="{E9FEAEC8-B7DF-AB4D-A829-E058579EA91B}" type="datetimeFigureOut">
               <a:rPr lang="en-US" smtClean="0"/>
-              <a:t>2/25/17</a:t>
+              <a:t>3/22/17</a:t>
             </a:fld>
             <a:endParaRPr lang="en-US"/>
           </a:p>
@@ -1432,8 +1433,8 @@
         </p:nvSpPr>
         <p:spPr>
           <a:xfrm>
-            <a:off x="342900" y="366184"/>
-            <a:ext cx="6172200" cy="1524000"/>
+            <a:off x="457200" y="274638"/>
+            <a:ext cx="8229600" cy="1143000"/>
           </a:xfrm>
         </p:spPr>
         <p:txBody>
@@ -1464,8 +1465,8 @@
         </p:nvSpPr>
         <p:spPr>
           <a:xfrm>
-            <a:off x="342900" y="2046817"/>
-            <a:ext cx="3030141" cy="853016"/>
+            <a:off x="457201" y="1535113"/>
+            <a:ext cx="4040188" cy="639762"/>
           </a:xfrm>
         </p:spPr>
         <p:txBody>
@@ -1529,8 +1530,8 @@
         </p:nvSpPr>
         <p:spPr>
           <a:xfrm>
-            <a:off x="342900" y="2899833"/>
-            <a:ext cx="3030141" cy="5268384"/>
+            <a:off x="457201" y="2174875"/>
+            <a:ext cx="4040188" cy="3951288"/>
           </a:xfrm>
         </p:spPr>
         <p:txBody>
@@ -1614,8 +1615,8 @@
         </p:nvSpPr>
         <p:spPr>
           <a:xfrm>
-            <a:off x="3483769" y="2046817"/>
-            <a:ext cx="3031331" cy="853016"/>
+            <a:off x="4645026" y="1535113"/>
+            <a:ext cx="4041775" cy="639762"/>
           </a:xfrm>
         </p:spPr>
         <p:txBody>
@@ -1679,8 +1680,8 @@
         </p:nvSpPr>
         <p:spPr>
           <a:xfrm>
-            <a:off x="3483769" y="2899833"/>
-            <a:ext cx="3031331" cy="5268384"/>
+            <a:off x="4645026" y="2174875"/>
+            <a:ext cx="4041775" cy="3951288"/>
           </a:xfrm>
         </p:spPr>
         <p:txBody>
@@ -1769,7 +1770,7 @@
           <a:p>
             <a:fld id="{E9FEAEC8-B7DF-AB4D-A829-E058579EA91B}" type="datetimeFigureOut">
               <a:rPr lang="en-US" smtClean="0"/>
-              <a:t>2/25/17</a:t>
+              <a:t>3/22/17</a:t>
             </a:fld>
             <a:endParaRPr lang="en-US"/>
           </a:p>
@@ -1887,7 +1888,7 @@
           <a:p>
             <a:fld id="{E9FEAEC8-B7DF-AB4D-A829-E058579EA91B}" type="datetimeFigureOut">
               <a:rPr lang="en-US" smtClean="0"/>
-              <a:t>2/25/17</a:t>
+              <a:t>3/22/17</a:t>
             </a:fld>
             <a:endParaRPr lang="en-US"/>
           </a:p>
@@ -1982,7 +1983,7 @@
           <a:p>
             <a:fld id="{E9FEAEC8-B7DF-AB4D-A829-E058579EA91B}" type="datetimeFigureOut">
               <a:rPr lang="en-US" smtClean="0"/>
-              <a:t>2/25/17</a:t>
+              <a:t>3/22/17</a:t>
             </a:fld>
             <a:endParaRPr lang="en-US"/>
           </a:p>
@@ -2072,8 +2073,8 @@
         </p:nvSpPr>
         <p:spPr>
           <a:xfrm>
-            <a:off x="342900" y="364067"/>
-            <a:ext cx="2256235" cy="1549400"/>
+            <a:off x="457201" y="273050"/>
+            <a:ext cx="3008313" cy="1162050"/>
           </a:xfrm>
         </p:spPr>
         <p:txBody>
@@ -2104,8 +2105,8 @@
         </p:nvSpPr>
         <p:spPr>
           <a:xfrm>
-            <a:off x="2681287" y="364067"/>
-            <a:ext cx="3833813" cy="7804151"/>
+            <a:off x="3575050" y="273051"/>
+            <a:ext cx="5111751" cy="5853113"/>
           </a:xfrm>
         </p:spPr>
         <p:txBody>
@@ -2189,8 +2190,8 @@
         </p:nvSpPr>
         <p:spPr>
           <a:xfrm>
-            <a:off x="342900" y="1913467"/>
-            <a:ext cx="2256235" cy="6254751"/>
+            <a:off x="457201" y="1435101"/>
+            <a:ext cx="3008313" cy="4691063"/>
           </a:xfrm>
         </p:spPr>
         <p:txBody>
@@ -2259,7 +2260,7 @@
           <a:p>
             <a:fld id="{E9FEAEC8-B7DF-AB4D-A829-E058579EA91B}" type="datetimeFigureOut">
               <a:rPr lang="en-US" smtClean="0"/>
-              <a:t>2/25/17</a:t>
+              <a:t>3/22/17</a:t>
             </a:fld>
             <a:endParaRPr lang="en-US"/>
           </a:p>
@@ -2349,8 +2350,8 @@
         </p:nvSpPr>
         <p:spPr>
           <a:xfrm>
-            <a:off x="1344216" y="6400800"/>
-            <a:ext cx="4114800" cy="755651"/>
+            <a:off x="1792288" y="4800601"/>
+            <a:ext cx="5486400" cy="566738"/>
           </a:xfrm>
         </p:spPr>
         <p:txBody>
@@ -2381,8 +2382,8 @@
         </p:nvSpPr>
         <p:spPr>
           <a:xfrm>
-            <a:off x="1344216" y="817033"/>
-            <a:ext cx="4114800" cy="5486400"/>
+            <a:off x="1792288" y="612775"/>
+            <a:ext cx="5486400" cy="4114800"/>
           </a:xfrm>
         </p:spPr>
         <p:txBody>
@@ -2442,8 +2443,8 @@
         </p:nvSpPr>
         <p:spPr>
           <a:xfrm>
-            <a:off x="1344216" y="7156451"/>
-            <a:ext cx="4114800" cy="1073149"/>
+            <a:off x="1792288" y="5367339"/>
+            <a:ext cx="5486400" cy="804862"/>
           </a:xfrm>
         </p:spPr>
         <p:txBody>
@@ -2512,7 +2513,7 @@
           <a:p>
             <a:fld id="{E9FEAEC8-B7DF-AB4D-A829-E058579EA91B}" type="datetimeFigureOut">
               <a:rPr lang="en-US" smtClean="0"/>
-              <a:t>2/25/17</a:t>
+              <a:t>3/22/17</a:t>
             </a:fld>
             <a:endParaRPr lang="en-US"/>
           </a:p>
@@ -2607,8 +2608,8 @@
         </p:nvSpPr>
         <p:spPr>
           <a:xfrm>
-            <a:off x="342900" y="366184"/>
-            <a:ext cx="6172200" cy="1524000"/>
+            <a:off x="457200" y="274638"/>
+            <a:ext cx="8229600" cy="1143000"/>
           </a:xfrm>
           <a:prstGeom prst="rect">
             <a:avLst/>
@@ -2640,8 +2641,8 @@
         </p:nvSpPr>
         <p:spPr>
           <a:xfrm>
-            <a:off x="342900" y="2133601"/>
-            <a:ext cx="6172200" cy="6034617"/>
+            <a:off x="457200" y="1600201"/>
+            <a:ext cx="8229600" cy="4525963"/>
           </a:xfrm>
           <a:prstGeom prst="rect">
             <a:avLst/>
@@ -2702,8 +2703,8 @@
         </p:nvSpPr>
         <p:spPr>
           <a:xfrm>
-            <a:off x="342900" y="8475134"/>
-            <a:ext cx="1600200" cy="486833"/>
+            <a:off x="457200" y="6356351"/>
+            <a:ext cx="2133600" cy="365125"/>
           </a:xfrm>
           <a:prstGeom prst="rect">
             <a:avLst/>
@@ -2725,7 +2726,7 @@
           <a:p>
             <a:fld id="{E9FEAEC8-B7DF-AB4D-A829-E058579EA91B}" type="datetimeFigureOut">
               <a:rPr lang="en-US" smtClean="0"/>
-              <a:t>2/25/17</a:t>
+              <a:t>3/22/17</a:t>
             </a:fld>
             <a:endParaRPr lang="en-US"/>
           </a:p>
@@ -2743,8 +2744,8 @@
         </p:nvSpPr>
         <p:spPr>
           <a:xfrm>
-            <a:off x="2343150" y="8475134"/>
-            <a:ext cx="2171700" cy="486833"/>
+            <a:off x="3124200" y="6356351"/>
+            <a:ext cx="2895600" cy="365125"/>
           </a:xfrm>
           <a:prstGeom prst="rect">
             <a:avLst/>
@@ -2780,8 +2781,8 @@
         </p:nvSpPr>
         <p:spPr>
           <a:xfrm>
-            <a:off x="4914900" y="8475134"/>
-            <a:ext cx="1600200" cy="486833"/>
+            <a:off x="6553200" y="6356351"/>
+            <a:ext cx="2133600" cy="365125"/>
           </a:xfrm>
           <a:prstGeom prst="rect">
             <a:avLst/>
@@ -3100,1516 +3101,130 @@
           <a:chExt cx="0" cy="0"/>
         </a:xfrm>
       </p:grpSpPr>
-      <p:sp>
-        <p:nvSpPr>
-          <p:cNvPr id="160" name="Rectangle 159"/>
-          <p:cNvSpPr/>
+      <p:pic>
+        <p:nvPicPr>
+          <p:cNvPr id="6" name="Picture 5" descr="graph_detailed.dot.png"/>
+          <p:cNvPicPr>
+            <a:picLocks noChangeAspect="1"/>
+          </p:cNvPicPr>
           <p:nvPr/>
-        </p:nvSpPr>
+        </p:nvPicPr>
+        <p:blipFill>
+          <a:blip r:embed="rId2">
+            <a:extLst>
+              <a:ext uri="{28A0092B-C50C-407E-A947-70E740481C1C}">
+                <a14:useLocalDpi xmlns:a14="http://schemas.microsoft.com/office/drawing/2010/main" val="0"/>
+              </a:ext>
+            </a:extLst>
+          </a:blip>
+          <a:stretch>
+            <a:fillRect/>
+          </a:stretch>
+        </p:blipFill>
         <p:spPr>
           <a:xfrm>
-            <a:off x="4341755" y="832345"/>
-            <a:ext cx="2104474" cy="3552485"/>
+            <a:off x="421603" y="279033"/>
+            <a:ext cx="8183595" cy="6453881"/>
           </a:xfrm>
           <a:prstGeom prst="rect">
             <a:avLst/>
           </a:prstGeom>
         </p:spPr>
-        <p:style>
-          <a:lnRef idx="2">
-            <a:schemeClr val="accent1">
-              <a:shade val="50000"/>
-            </a:schemeClr>
-          </a:lnRef>
-          <a:fillRef idx="1">
-            <a:schemeClr val="accent1"/>
-          </a:fillRef>
-          <a:effectRef idx="0">
-            <a:schemeClr val="accent1"/>
-          </a:effectRef>
-          <a:fontRef idx="minor">
-            <a:schemeClr val="lt1"/>
-          </a:fontRef>
-        </p:style>
-        <p:txBody>
-          <a:bodyPr rtlCol="0" anchor="ctr"/>
-          <a:lstStyle/>
-          <a:p>
-            <a:pPr algn="ctr"/>
-            <a:endParaRPr lang="en-US"/>
-          </a:p>
-        </p:txBody>
-      </p:sp>
-      <p:sp>
-        <p:nvSpPr>
-          <p:cNvPr id="4" name="Rounded Rectangle 3"/>
-          <p:cNvSpPr/>
+      </p:pic>
+    </p:spTree>
+    <p:extLst>
+      <p:ext uri="{BB962C8B-B14F-4D97-AF65-F5344CB8AC3E}">
+        <p14:creationId xmlns:p14="http://schemas.microsoft.com/office/powerpoint/2010/main" val="1714367084"/>
+      </p:ext>
+    </p:extLst>
+  </p:cSld>
+  <p:clrMapOvr>
+    <a:masterClrMapping/>
+  </p:clrMapOvr>
+</p:sld>
+</file>
+
+<file path=ppt/slides/slide2.xml><?xml version="1.0" encoding="utf-8"?>
+<p:sld xmlns:a="http://schemas.openxmlformats.org/drawingml/2006/main" xmlns:r="http://schemas.openxmlformats.org/officeDocument/2006/relationships" xmlns:p="http://schemas.openxmlformats.org/presentationml/2006/main">
+  <p:cSld>
+    <p:spTree>
+      <p:nvGrpSpPr>
+        <p:cNvPr id="1" name=""/>
+        <p:cNvGrpSpPr/>
+        <p:nvPr/>
+      </p:nvGrpSpPr>
+      <p:grpSpPr>
+        <a:xfrm>
+          <a:off x="0" y="0"/>
+          <a:ext cx="0" cy="0"/>
+          <a:chOff x="0" y="0"/>
+          <a:chExt cx="0" cy="0"/>
+        </a:xfrm>
+      </p:grpSpPr>
+      <p:pic>
+        <p:nvPicPr>
+          <p:cNvPr id="4" name="Picture 3" descr="graph.dot.png"/>
+          <p:cNvPicPr>
+            <a:picLocks noChangeAspect="1"/>
+          </p:cNvPicPr>
           <p:nvPr/>
-        </p:nvSpPr>
+        </p:nvPicPr>
+        <p:blipFill>
+          <a:blip r:embed="rId2">
+            <a:extLst>
+              <a:ext uri="{28A0092B-C50C-407E-A947-70E740481C1C}">
+                <a14:useLocalDpi xmlns:a14="http://schemas.microsoft.com/office/drawing/2010/main" val="0"/>
+              </a:ext>
+            </a:extLst>
+          </a:blip>
+          <a:stretch>
+            <a:fillRect/>
+          </a:stretch>
+        </p:blipFill>
         <p:spPr>
           <a:xfrm>
-            <a:off x="373256" y="961059"/>
-            <a:ext cx="1329984" cy="772279"/>
+            <a:off x="153945" y="1443283"/>
+            <a:ext cx="4874448" cy="5193414"/>
           </a:xfrm>
-          <a:prstGeom prst="roundRect">
-            <a:avLst/>
-          </a:prstGeom>
-          <a:solidFill>
-            <a:schemeClr val="accent2">
-              <a:lumMod val="20000"/>
-              <a:lumOff val="80000"/>
-            </a:schemeClr>
-          </a:solidFill>
-        </p:spPr>
-        <p:style>
-          <a:lnRef idx="2">
-            <a:schemeClr val="dk1"/>
-          </a:lnRef>
-          <a:fillRef idx="1">
-            <a:schemeClr val="lt1"/>
-          </a:fillRef>
-          <a:effectRef idx="0">
-            <a:schemeClr val="dk1"/>
-          </a:effectRef>
-          <a:fontRef idx="minor">
-            <a:schemeClr val="dk1"/>
-          </a:fontRef>
-        </p:style>
-        <p:txBody>
-          <a:bodyPr rtlCol="0" anchor="ctr"/>
-          <a:lstStyle/>
-          <a:p>
-            <a:pPr algn="ctr"/>
-            <a:r>
-              <a:rPr lang="en-US" dirty="0" smtClean="0"/>
-              <a:t>ASL Scan</a:t>
-            </a:r>
-            <a:endParaRPr lang="en-US" dirty="0"/>
-          </a:p>
-        </p:txBody>
-      </p:sp>
-      <p:sp>
-        <p:nvSpPr>
-          <p:cNvPr id="5" name="Rounded Rectangle 4"/>
-          <p:cNvSpPr/>
-          <p:nvPr/>
-        </p:nvSpPr>
-        <p:spPr>
-          <a:xfrm>
-            <a:off x="4732361" y="961059"/>
-            <a:ext cx="1329984" cy="772279"/>
-          </a:xfrm>
-          <a:prstGeom prst="roundRect">
-            <a:avLst/>
-          </a:prstGeom>
-          <a:solidFill>
-            <a:schemeClr val="tx2">
-              <a:lumMod val="20000"/>
-              <a:lumOff val="80000"/>
-            </a:schemeClr>
-          </a:solidFill>
-        </p:spPr>
-        <p:style>
-          <a:lnRef idx="2">
-            <a:schemeClr val="dk1"/>
-          </a:lnRef>
-          <a:fillRef idx="1">
-            <a:schemeClr val="lt1"/>
-          </a:fillRef>
-          <a:effectRef idx="0">
-            <a:schemeClr val="dk1"/>
-          </a:effectRef>
-          <a:fontRef idx="minor">
-            <a:schemeClr val="dk1"/>
-          </a:fontRef>
-        </p:style>
-        <p:txBody>
-          <a:bodyPr rtlCol="0" anchor="ctr"/>
-          <a:lstStyle/>
-          <a:p>
-            <a:pPr algn="ctr"/>
-            <a:r>
-              <a:rPr lang="en-US" dirty="0" err="1" smtClean="0"/>
-              <a:t>anat</a:t>
-            </a:r>
-            <a:endParaRPr lang="en-US" dirty="0" smtClean="0"/>
-          </a:p>
-        </p:txBody>
-      </p:sp>
-      <p:sp>
-        <p:nvSpPr>
-          <p:cNvPr id="7" name="Rounded Rectangle 6"/>
-          <p:cNvSpPr/>
-          <p:nvPr/>
-        </p:nvSpPr>
-        <p:spPr>
-          <a:xfrm>
-            <a:off x="471931" y="5831959"/>
-            <a:ext cx="1329984" cy="772279"/>
-          </a:xfrm>
-          <a:prstGeom prst="roundRect">
-            <a:avLst/>
-          </a:prstGeom>
-          <a:solidFill>
-            <a:schemeClr val="accent2">
-              <a:lumMod val="20000"/>
-              <a:lumOff val="80000"/>
-            </a:schemeClr>
-          </a:solidFill>
-        </p:spPr>
-        <p:style>
-          <a:lnRef idx="2">
-            <a:schemeClr val="dk1"/>
-          </a:lnRef>
-          <a:fillRef idx="1">
-            <a:schemeClr val="lt1"/>
-          </a:fillRef>
-          <a:effectRef idx="0">
-            <a:schemeClr val="dk1"/>
-          </a:effectRef>
-          <a:fontRef idx="minor">
-            <a:schemeClr val="dk1"/>
-          </a:fontRef>
-        </p:style>
-        <p:txBody>
-          <a:bodyPr rtlCol="0" anchor="ctr"/>
-          <a:lstStyle/>
-          <a:p>
-            <a:pPr algn="ctr"/>
-            <a:r>
-              <a:rPr lang="en-US" dirty="0" err="1" smtClean="0"/>
-              <a:t>Skullstrip</a:t>
-            </a:r>
-            <a:r>
-              <a:rPr lang="en-US" dirty="0" smtClean="0"/>
-              <a:t> </a:t>
-            </a:r>
-            <a:r>
-              <a:rPr lang="en-US" dirty="0" err="1" smtClean="0"/>
-              <a:t>cbf</a:t>
-            </a:r>
-            <a:endParaRPr lang="en-US" dirty="0"/>
-          </a:p>
-        </p:txBody>
-      </p:sp>
-      <p:sp>
-        <p:nvSpPr>
-          <p:cNvPr id="12" name="Rounded Rectangle 11"/>
-          <p:cNvSpPr/>
-          <p:nvPr/>
-        </p:nvSpPr>
-        <p:spPr>
-          <a:xfrm>
-            <a:off x="4732361" y="2189556"/>
-            <a:ext cx="1329984" cy="772279"/>
-          </a:xfrm>
-          <a:prstGeom prst="roundRect">
-            <a:avLst/>
-          </a:prstGeom>
-          <a:solidFill>
-            <a:srgbClr val="C6D9F1"/>
-          </a:solidFill>
-        </p:spPr>
-        <p:style>
-          <a:lnRef idx="2">
-            <a:schemeClr val="dk1"/>
-          </a:lnRef>
-          <a:fillRef idx="1">
-            <a:schemeClr val="lt1"/>
-          </a:fillRef>
-          <a:effectRef idx="0">
-            <a:schemeClr val="dk1"/>
-          </a:effectRef>
-          <a:fontRef idx="minor">
-            <a:schemeClr val="dk1"/>
-          </a:fontRef>
-        </p:style>
-        <p:txBody>
-          <a:bodyPr rtlCol="0" anchor="ctr"/>
-          <a:lstStyle/>
-          <a:p>
-            <a:pPr algn="ctr"/>
-            <a:r>
-              <a:rPr lang="en-US" dirty="0" smtClean="0"/>
-              <a:t>N3 correction</a:t>
-            </a:r>
-            <a:endParaRPr lang="en-US" dirty="0"/>
-          </a:p>
-        </p:txBody>
-      </p:sp>
-      <p:sp>
-        <p:nvSpPr>
-          <p:cNvPr id="13" name="Rounded Rectangle 12"/>
-          <p:cNvSpPr/>
-          <p:nvPr/>
-        </p:nvSpPr>
-        <p:spPr>
-          <a:xfrm>
-            <a:off x="2436874" y="3442004"/>
-            <a:ext cx="1329984" cy="772279"/>
-          </a:xfrm>
-          <a:prstGeom prst="roundRect">
-            <a:avLst/>
-          </a:prstGeom>
-          <a:solidFill>
-            <a:schemeClr val="accent4">
-              <a:lumMod val="20000"/>
-              <a:lumOff val="80000"/>
-            </a:schemeClr>
-          </a:solidFill>
-        </p:spPr>
-        <p:style>
-          <a:lnRef idx="2">
-            <a:schemeClr val="dk1"/>
-          </a:lnRef>
-          <a:fillRef idx="1">
-            <a:schemeClr val="lt1"/>
-          </a:fillRef>
-          <a:effectRef idx="0">
-            <a:schemeClr val="dk1"/>
-          </a:effectRef>
-          <a:fontRef idx="minor">
-            <a:schemeClr val="dk1"/>
-          </a:fontRef>
-        </p:style>
-        <p:txBody>
-          <a:bodyPr rtlCol="0" anchor="ctr"/>
-          <a:lstStyle/>
-          <a:p>
-            <a:pPr algn="ctr"/>
-            <a:r>
-              <a:rPr lang="en-US" sz="1400" dirty="0" smtClean="0"/>
-              <a:t>spatial normalization (2mm cubic)</a:t>
-            </a:r>
-          </a:p>
-        </p:txBody>
-      </p:sp>
-      <p:sp>
-        <p:nvSpPr>
-          <p:cNvPr id="14" name="Rounded Rectangle 13"/>
-          <p:cNvSpPr/>
-          <p:nvPr/>
-        </p:nvSpPr>
-        <p:spPr>
-          <a:xfrm>
-            <a:off x="4732361" y="3442004"/>
-            <a:ext cx="1329984" cy="772279"/>
-          </a:xfrm>
-          <a:prstGeom prst="roundRect">
-            <a:avLst/>
-          </a:prstGeom>
-          <a:solidFill>
-            <a:srgbClr val="C6D9F1"/>
-          </a:solidFill>
-        </p:spPr>
-        <p:style>
-          <a:lnRef idx="2">
-            <a:schemeClr val="dk1"/>
-          </a:lnRef>
-          <a:fillRef idx="1">
-            <a:schemeClr val="lt1"/>
-          </a:fillRef>
-          <a:effectRef idx="0">
-            <a:schemeClr val="dk1"/>
-          </a:effectRef>
-          <a:fontRef idx="minor">
-            <a:schemeClr val="dk1"/>
-          </a:fontRef>
-        </p:style>
-        <p:txBody>
-          <a:bodyPr rtlCol="0" anchor="ctr"/>
-          <a:lstStyle/>
-          <a:p>
-            <a:pPr algn="ctr"/>
-            <a:r>
-              <a:rPr lang="en-US" dirty="0" err="1" smtClean="0"/>
-              <a:t>Skullstrip</a:t>
-            </a:r>
-            <a:r>
-              <a:rPr lang="en-US" dirty="0" smtClean="0"/>
-              <a:t> </a:t>
-            </a:r>
-            <a:r>
-              <a:rPr lang="en-US" dirty="0" err="1" smtClean="0"/>
-              <a:t>anat</a:t>
-            </a:r>
-            <a:endParaRPr lang="en-US" dirty="0"/>
-          </a:p>
-        </p:txBody>
-      </p:sp>
-      <p:sp>
-        <p:nvSpPr>
-          <p:cNvPr id="16" name="Rounded Rectangle 15"/>
-          <p:cNvSpPr/>
-          <p:nvPr/>
-        </p:nvSpPr>
-        <p:spPr>
-          <a:xfrm>
-            <a:off x="2436874" y="7151538"/>
-            <a:ext cx="1329984" cy="772279"/>
-          </a:xfrm>
-          <a:prstGeom prst="roundRect">
-            <a:avLst/>
-          </a:prstGeom>
-          <a:solidFill>
-            <a:schemeClr val="accent4">
-              <a:lumMod val="20000"/>
-              <a:lumOff val="80000"/>
-            </a:schemeClr>
-          </a:solidFill>
-        </p:spPr>
-        <p:style>
-          <a:lnRef idx="2">
-            <a:schemeClr val="dk1"/>
-          </a:lnRef>
-          <a:fillRef idx="1">
-            <a:schemeClr val="lt1"/>
-          </a:fillRef>
-          <a:effectRef idx="0">
-            <a:schemeClr val="dk1"/>
-          </a:effectRef>
-          <a:fontRef idx="minor">
-            <a:schemeClr val="dk1"/>
-          </a:fontRef>
-        </p:style>
-        <p:txBody>
-          <a:bodyPr rtlCol="0" anchor="ctr"/>
-          <a:lstStyle/>
-          <a:p>
-            <a:pPr algn="ctr"/>
-            <a:r>
-              <a:rPr lang="en-US" sz="1600" dirty="0" smtClean="0"/>
-              <a:t>CBF regional data extraction</a:t>
-            </a:r>
-            <a:endParaRPr lang="en-US" sz="1600" dirty="0"/>
-          </a:p>
-        </p:txBody>
-      </p:sp>
-      <p:sp>
-        <p:nvSpPr>
-          <p:cNvPr id="17" name="Rounded Rectangle 16"/>
-          <p:cNvSpPr/>
-          <p:nvPr/>
-        </p:nvSpPr>
-        <p:spPr>
-          <a:xfrm>
-            <a:off x="4732361" y="4603181"/>
-            <a:ext cx="1329984" cy="772279"/>
-          </a:xfrm>
-          <a:prstGeom prst="roundRect">
-            <a:avLst/>
-          </a:prstGeom>
-          <a:solidFill>
-            <a:schemeClr val="tx2">
-              <a:lumMod val="20000"/>
-              <a:lumOff val="80000"/>
-            </a:schemeClr>
-          </a:solidFill>
-        </p:spPr>
-        <p:style>
-          <a:lnRef idx="2">
-            <a:schemeClr val="dk1"/>
-          </a:lnRef>
-          <a:fillRef idx="1">
-            <a:schemeClr val="lt1"/>
-          </a:fillRef>
-          <a:effectRef idx="0">
-            <a:schemeClr val="dk1"/>
-          </a:effectRef>
-          <a:fontRef idx="minor">
-            <a:schemeClr val="dk1"/>
-          </a:fontRef>
-        </p:style>
-        <p:txBody>
-          <a:bodyPr rtlCol="0" anchor="ctr"/>
-          <a:lstStyle/>
-          <a:p>
-            <a:pPr algn="ctr"/>
-            <a:r>
-              <a:rPr lang="en-US" sz="1400" dirty="0" smtClean="0"/>
-              <a:t>segmentation (create ROIs)</a:t>
-            </a:r>
-            <a:endParaRPr lang="en-US" sz="1400" dirty="0"/>
-          </a:p>
-        </p:txBody>
-      </p:sp>
-      <p:sp>
-        <p:nvSpPr>
-          <p:cNvPr id="18" name="Rounded Rectangle 17"/>
-          <p:cNvSpPr/>
-          <p:nvPr/>
-        </p:nvSpPr>
-        <p:spPr>
-          <a:xfrm>
-            <a:off x="5116245" y="7481275"/>
-            <a:ext cx="1329984" cy="885083"/>
-          </a:xfrm>
-          <a:prstGeom prst="roundRect">
-            <a:avLst>
-              <a:gd name="adj" fmla="val 1"/>
-            </a:avLst>
-          </a:prstGeom>
-          <a:solidFill>
-            <a:schemeClr val="accent3">
-              <a:lumMod val="40000"/>
-              <a:lumOff val="60000"/>
-            </a:schemeClr>
-          </a:solidFill>
-        </p:spPr>
-        <p:style>
-          <a:lnRef idx="2">
-            <a:schemeClr val="dk1"/>
-          </a:lnRef>
-          <a:fillRef idx="1">
-            <a:schemeClr val="lt1"/>
-          </a:fillRef>
-          <a:effectRef idx="0">
-            <a:schemeClr val="dk1"/>
-          </a:effectRef>
-          <a:fontRef idx="minor">
-            <a:schemeClr val="dk1"/>
-          </a:fontRef>
-        </p:style>
-        <p:txBody>
-          <a:bodyPr rtlCol="0" anchor="ctr"/>
-          <a:lstStyle/>
-          <a:p>
-            <a:pPr algn="ctr"/>
-            <a:r>
-              <a:rPr lang="en-US" dirty="0" smtClean="0"/>
-              <a:t>make sample template</a:t>
-            </a:r>
-            <a:endParaRPr lang="en-US" dirty="0"/>
-          </a:p>
-        </p:txBody>
-      </p:sp>
-      <p:sp>
-        <p:nvSpPr>
-          <p:cNvPr id="19" name="Rounded Rectangle 18"/>
-          <p:cNvSpPr/>
-          <p:nvPr/>
-        </p:nvSpPr>
-        <p:spPr>
-          <a:xfrm>
-            <a:off x="2436874" y="5831959"/>
-            <a:ext cx="1329984" cy="772279"/>
-          </a:xfrm>
-          <a:prstGeom prst="roundRect">
-            <a:avLst/>
-          </a:prstGeom>
-          <a:solidFill>
-            <a:srgbClr val="E6E0EC"/>
-          </a:solidFill>
-        </p:spPr>
-        <p:style>
-          <a:lnRef idx="2">
-            <a:schemeClr val="dk1"/>
-          </a:lnRef>
-          <a:fillRef idx="1">
-            <a:schemeClr val="lt1"/>
-          </a:fillRef>
-          <a:effectRef idx="0">
-            <a:schemeClr val="dk1"/>
-          </a:effectRef>
-          <a:fontRef idx="minor">
-            <a:schemeClr val="dk1"/>
-          </a:fontRef>
-        </p:style>
-        <p:txBody>
-          <a:bodyPr rtlCol="0" anchor="ctr"/>
-          <a:lstStyle/>
-          <a:p>
-            <a:pPr algn="ctr"/>
-            <a:r>
-              <a:rPr lang="en-US" dirty="0" smtClean="0"/>
-              <a:t>register to template</a:t>
-            </a:r>
-            <a:endParaRPr lang="en-US" dirty="0"/>
-          </a:p>
-        </p:txBody>
-      </p:sp>
-      <p:sp>
-        <p:nvSpPr>
-          <p:cNvPr id="20" name="Rounded Rectangle 19"/>
-          <p:cNvSpPr/>
-          <p:nvPr/>
-        </p:nvSpPr>
-        <p:spPr>
-          <a:xfrm>
-            <a:off x="2436874" y="4607748"/>
-            <a:ext cx="1329984" cy="772279"/>
-          </a:xfrm>
-          <a:prstGeom prst="roundRect">
-            <a:avLst/>
-          </a:prstGeom>
-          <a:solidFill>
-            <a:schemeClr val="accent4">
-              <a:lumMod val="20000"/>
-              <a:lumOff val="80000"/>
-            </a:schemeClr>
-          </a:solidFill>
-        </p:spPr>
-        <p:style>
-          <a:lnRef idx="2">
-            <a:schemeClr val="dk1"/>
-          </a:lnRef>
-          <a:fillRef idx="1">
-            <a:schemeClr val="lt1"/>
-          </a:fillRef>
-          <a:effectRef idx="0">
-            <a:schemeClr val="dk1"/>
-          </a:effectRef>
-          <a:fontRef idx="minor">
-            <a:schemeClr val="dk1"/>
-          </a:fontRef>
-        </p:style>
-        <p:txBody>
-          <a:bodyPr rtlCol="0" anchor="ctr"/>
-          <a:lstStyle/>
-          <a:p>
-            <a:pPr algn="ctr"/>
-            <a:r>
-              <a:rPr lang="en-US" sz="1400" dirty="0" err="1" smtClean="0"/>
-              <a:t>Coregistration</a:t>
-            </a:r>
-            <a:endParaRPr lang="en-US" sz="1400" dirty="0"/>
-          </a:p>
-        </p:txBody>
-      </p:sp>
-      <p:cxnSp>
-        <p:nvCxnSpPr>
-          <p:cNvPr id="22" name="Straight Arrow Connector 21"/>
-          <p:cNvCxnSpPr>
-            <a:stCxn id="4" idx="2"/>
-            <a:endCxn id="39" idx="0"/>
-          </p:cNvCxnSpPr>
-          <p:nvPr/>
-        </p:nvCxnSpPr>
-        <p:spPr>
-          <a:xfrm flipH="1">
-            <a:off x="1025376" y="1733338"/>
-            <a:ext cx="12872" cy="358699"/>
-          </a:xfrm>
-          <a:prstGeom prst="straightConnector1">
-            <a:avLst/>
-          </a:prstGeom>
-          <a:ln>
-            <a:tailEnd type="arrow"/>
-          </a:ln>
-          <a:effectLst/>
-        </p:spPr>
-        <p:style>
-          <a:lnRef idx="2">
-            <a:schemeClr val="dk1"/>
-          </a:lnRef>
-          <a:fillRef idx="0">
-            <a:schemeClr val="dk1"/>
-          </a:fillRef>
-          <a:effectRef idx="1">
-            <a:schemeClr val="dk1"/>
-          </a:effectRef>
-          <a:fontRef idx="minor">
-            <a:schemeClr val="tx1"/>
-          </a:fontRef>
-        </p:style>
-      </p:cxnSp>
-      <p:cxnSp>
-        <p:nvCxnSpPr>
-          <p:cNvPr id="23" name="Straight Arrow Connector 22"/>
-          <p:cNvCxnSpPr>
-            <a:stCxn id="41" idx="2"/>
-            <a:endCxn id="24" idx="0"/>
-          </p:cNvCxnSpPr>
-          <p:nvPr/>
-        </p:nvCxnSpPr>
-        <p:spPr>
-          <a:xfrm>
-            <a:off x="3101866" y="1733338"/>
-            <a:ext cx="0" cy="358699"/>
-          </a:xfrm>
-          <a:prstGeom prst="straightConnector1">
-            <a:avLst/>
-          </a:prstGeom>
-          <a:ln>
-            <a:tailEnd type="arrow"/>
-          </a:ln>
-          <a:effectLst/>
-        </p:spPr>
-        <p:style>
-          <a:lnRef idx="2">
-            <a:schemeClr val="dk1"/>
-          </a:lnRef>
-          <a:fillRef idx="0">
-            <a:schemeClr val="dk1"/>
-          </a:fillRef>
-          <a:effectRef idx="1">
-            <a:schemeClr val="dk1"/>
-          </a:effectRef>
-          <a:fontRef idx="minor">
-            <a:schemeClr val="tx1"/>
-          </a:fontRef>
-        </p:style>
-      </p:cxnSp>
-      <p:sp>
-        <p:nvSpPr>
-          <p:cNvPr id="24" name="Rounded Rectangle 23"/>
-          <p:cNvSpPr/>
-          <p:nvPr/>
-        </p:nvSpPr>
-        <p:spPr>
-          <a:xfrm>
-            <a:off x="2436874" y="2092037"/>
-            <a:ext cx="1329984" cy="772279"/>
-          </a:xfrm>
-          <a:prstGeom prst="roundRect">
-            <a:avLst/>
-          </a:prstGeom>
-          <a:solidFill>
-            <a:schemeClr val="accent2">
-              <a:lumMod val="20000"/>
-              <a:lumOff val="80000"/>
-            </a:schemeClr>
-          </a:solidFill>
-        </p:spPr>
-        <p:style>
-          <a:lnRef idx="2">
-            <a:schemeClr val="dk1"/>
-          </a:lnRef>
-          <a:fillRef idx="1">
-            <a:schemeClr val="lt1"/>
-          </a:fillRef>
-          <a:effectRef idx="0">
-            <a:schemeClr val="dk1"/>
-          </a:effectRef>
-          <a:fontRef idx="minor">
-            <a:schemeClr val="dk1"/>
-          </a:fontRef>
-        </p:style>
-        <p:txBody>
-          <a:bodyPr rtlCol="0" anchor="ctr"/>
-          <a:lstStyle/>
-          <a:p>
-            <a:pPr algn="ctr"/>
-            <a:r>
-              <a:rPr lang="en-US" dirty="0" smtClean="0"/>
-              <a:t>CBF </a:t>
-            </a:r>
-            <a:r>
-              <a:rPr lang="en-US" dirty="0" err="1" smtClean="0"/>
-              <a:t>calc</a:t>
-            </a:r>
-            <a:endParaRPr lang="en-US" dirty="0"/>
-          </a:p>
-        </p:txBody>
-      </p:sp>
-      <p:cxnSp>
-        <p:nvCxnSpPr>
-          <p:cNvPr id="28" name="Straight Arrow Connector 27"/>
-          <p:cNvCxnSpPr>
-            <a:endCxn id="24" idx="1"/>
-          </p:cNvCxnSpPr>
-          <p:nvPr/>
-        </p:nvCxnSpPr>
-        <p:spPr>
-          <a:xfrm>
-            <a:off x="1690368" y="2478177"/>
-            <a:ext cx="746506" cy="0"/>
-          </a:xfrm>
-          <a:prstGeom prst="straightConnector1">
-            <a:avLst/>
-          </a:prstGeom>
-          <a:ln>
-            <a:tailEnd type="arrow"/>
-          </a:ln>
-          <a:effectLst/>
-        </p:spPr>
-        <p:style>
-          <a:lnRef idx="2">
-            <a:schemeClr val="dk1"/>
-          </a:lnRef>
-          <a:fillRef idx="0">
-            <a:schemeClr val="dk1"/>
-          </a:fillRef>
-          <a:effectRef idx="1">
-            <a:schemeClr val="dk1"/>
-          </a:effectRef>
-          <a:fontRef idx="minor">
-            <a:schemeClr val="tx1"/>
-          </a:fontRef>
-        </p:style>
-      </p:cxnSp>
-      <p:cxnSp>
-        <p:nvCxnSpPr>
-          <p:cNvPr id="48" name="Straight Arrow Connector 47"/>
-          <p:cNvCxnSpPr>
-            <a:stCxn id="24" idx="2"/>
-            <a:endCxn id="13" idx="0"/>
-          </p:cNvCxnSpPr>
-          <p:nvPr/>
-        </p:nvCxnSpPr>
-        <p:spPr>
-          <a:xfrm>
-            <a:off x="3101866" y="2864316"/>
-            <a:ext cx="0" cy="577688"/>
-          </a:xfrm>
-          <a:prstGeom prst="straightConnector1">
-            <a:avLst/>
-          </a:prstGeom>
-          <a:ln>
-            <a:tailEnd type="arrow"/>
-          </a:ln>
-          <a:effectLst/>
-        </p:spPr>
-        <p:style>
-          <a:lnRef idx="2">
-            <a:schemeClr val="dk1"/>
-          </a:lnRef>
-          <a:fillRef idx="0">
-            <a:schemeClr val="dk1"/>
-          </a:fillRef>
-          <a:effectRef idx="1">
-            <a:schemeClr val="dk1"/>
-          </a:effectRef>
-          <a:fontRef idx="minor">
-            <a:schemeClr val="tx1"/>
-          </a:fontRef>
-        </p:style>
-      </p:cxnSp>
-      <p:cxnSp>
-        <p:nvCxnSpPr>
-          <p:cNvPr id="57" name="Straight Arrow Connector 56"/>
-          <p:cNvCxnSpPr>
-            <a:stCxn id="19" idx="1"/>
-            <a:endCxn id="7" idx="3"/>
-          </p:cNvCxnSpPr>
-          <p:nvPr/>
-        </p:nvCxnSpPr>
-        <p:spPr>
-          <a:xfrm flipH="1">
-            <a:off x="1801915" y="6218099"/>
-            <a:ext cx="634959" cy="0"/>
-          </a:xfrm>
-          <a:prstGeom prst="straightConnector1">
-            <a:avLst/>
-          </a:prstGeom>
-          <a:ln>
-            <a:tailEnd type="arrow"/>
-          </a:ln>
-          <a:effectLst/>
-        </p:spPr>
-        <p:style>
-          <a:lnRef idx="2">
-            <a:schemeClr val="dk1"/>
-          </a:lnRef>
-          <a:fillRef idx="0">
-            <a:schemeClr val="dk1"/>
-          </a:fillRef>
-          <a:effectRef idx="1">
-            <a:schemeClr val="dk1"/>
-          </a:effectRef>
-          <a:fontRef idx="minor">
-            <a:schemeClr val="tx1"/>
-          </a:fontRef>
-        </p:style>
-      </p:cxnSp>
-      <p:cxnSp>
-        <p:nvCxnSpPr>
-          <p:cNvPr id="61" name="Straight Arrow Connector 60"/>
-          <p:cNvCxnSpPr>
-            <a:stCxn id="5" idx="2"/>
-            <a:endCxn id="12" idx="0"/>
-          </p:cNvCxnSpPr>
-          <p:nvPr/>
-        </p:nvCxnSpPr>
-        <p:spPr>
-          <a:xfrm>
-            <a:off x="5397353" y="1733338"/>
-            <a:ext cx="0" cy="456218"/>
-          </a:xfrm>
-          <a:prstGeom prst="straightConnector1">
-            <a:avLst/>
-          </a:prstGeom>
-          <a:ln>
-            <a:tailEnd type="arrow"/>
-          </a:ln>
-          <a:effectLst/>
-        </p:spPr>
-        <p:style>
-          <a:lnRef idx="2">
-            <a:schemeClr val="dk1"/>
-          </a:lnRef>
-          <a:fillRef idx="0">
-            <a:schemeClr val="dk1"/>
-          </a:fillRef>
-          <a:effectRef idx="1">
-            <a:schemeClr val="dk1"/>
-          </a:effectRef>
-          <a:fontRef idx="minor">
-            <a:schemeClr val="tx1"/>
-          </a:fontRef>
-        </p:style>
-      </p:cxnSp>
-      <p:cxnSp>
-        <p:nvCxnSpPr>
-          <p:cNvPr id="64" name="Straight Arrow Connector 63"/>
-          <p:cNvCxnSpPr>
-            <a:stCxn id="12" idx="2"/>
-            <a:endCxn id="14" idx="0"/>
-          </p:cNvCxnSpPr>
-          <p:nvPr/>
-        </p:nvCxnSpPr>
-        <p:spPr>
-          <a:xfrm>
-            <a:off x="5397353" y="2961835"/>
-            <a:ext cx="0" cy="480169"/>
-          </a:xfrm>
-          <a:prstGeom prst="straightConnector1">
-            <a:avLst/>
-          </a:prstGeom>
-          <a:ln>
-            <a:tailEnd type="arrow"/>
-          </a:ln>
-          <a:effectLst/>
-        </p:spPr>
-        <p:style>
-          <a:lnRef idx="2">
-            <a:schemeClr val="dk1"/>
-          </a:lnRef>
-          <a:fillRef idx="0">
-            <a:schemeClr val="dk1"/>
-          </a:fillRef>
-          <a:effectRef idx="1">
-            <a:schemeClr val="dk1"/>
-          </a:effectRef>
-          <a:fontRef idx="minor">
-            <a:schemeClr val="tx1"/>
-          </a:fontRef>
-        </p:style>
-      </p:cxnSp>
-      <p:cxnSp>
-        <p:nvCxnSpPr>
-          <p:cNvPr id="68" name="Straight Arrow Connector 67"/>
-          <p:cNvCxnSpPr>
-            <a:stCxn id="14" idx="1"/>
-            <a:endCxn id="13" idx="3"/>
-          </p:cNvCxnSpPr>
-          <p:nvPr/>
-        </p:nvCxnSpPr>
-        <p:spPr>
-          <a:xfrm flipH="1">
-            <a:off x="3766858" y="3828144"/>
-            <a:ext cx="965503" cy="0"/>
-          </a:xfrm>
-          <a:prstGeom prst="straightConnector1">
-            <a:avLst/>
-          </a:prstGeom>
-          <a:ln>
-            <a:tailEnd type="arrow"/>
-          </a:ln>
-          <a:effectLst/>
-        </p:spPr>
-        <p:style>
-          <a:lnRef idx="2">
-            <a:schemeClr val="dk1"/>
-          </a:lnRef>
-          <a:fillRef idx="0">
-            <a:schemeClr val="dk1"/>
-          </a:fillRef>
-          <a:effectRef idx="1">
-            <a:schemeClr val="dk1"/>
-          </a:effectRef>
-          <a:fontRef idx="minor">
-            <a:schemeClr val="tx1"/>
-          </a:fontRef>
-        </p:style>
-      </p:cxnSp>
-      <p:cxnSp>
-        <p:nvCxnSpPr>
-          <p:cNvPr id="71" name="Straight Arrow Connector 70"/>
-          <p:cNvCxnSpPr>
-            <a:stCxn id="13" idx="2"/>
-            <a:endCxn id="20" idx="0"/>
-          </p:cNvCxnSpPr>
-          <p:nvPr/>
-        </p:nvCxnSpPr>
-        <p:spPr>
-          <a:xfrm>
-            <a:off x="3101866" y="4214283"/>
-            <a:ext cx="0" cy="393465"/>
-          </a:xfrm>
-          <a:prstGeom prst="straightConnector1">
-            <a:avLst/>
-          </a:prstGeom>
-          <a:ln>
-            <a:tailEnd type="arrow"/>
-          </a:ln>
-          <a:effectLst/>
-        </p:spPr>
-        <p:style>
-          <a:lnRef idx="2">
-            <a:schemeClr val="dk1"/>
-          </a:lnRef>
-          <a:fillRef idx="0">
-            <a:schemeClr val="dk1"/>
-          </a:fillRef>
-          <a:effectRef idx="1">
-            <a:schemeClr val="dk1"/>
-          </a:effectRef>
-          <a:fontRef idx="minor">
-            <a:schemeClr val="tx1"/>
-          </a:fontRef>
-        </p:style>
-      </p:cxnSp>
-      <p:cxnSp>
-        <p:nvCxnSpPr>
-          <p:cNvPr id="76" name="Straight Arrow Connector 75"/>
-          <p:cNvCxnSpPr>
-            <a:stCxn id="20" idx="2"/>
-            <a:endCxn id="19" idx="0"/>
-          </p:cNvCxnSpPr>
-          <p:nvPr/>
-        </p:nvCxnSpPr>
-        <p:spPr>
-          <a:xfrm>
-            <a:off x="3101866" y="5380027"/>
-            <a:ext cx="0" cy="451932"/>
-          </a:xfrm>
-          <a:prstGeom prst="straightConnector1">
-            <a:avLst/>
-          </a:prstGeom>
-          <a:ln>
-            <a:tailEnd type="arrow"/>
-          </a:ln>
-          <a:effectLst/>
-        </p:spPr>
-        <p:style>
-          <a:lnRef idx="2">
-            <a:schemeClr val="dk1"/>
-          </a:lnRef>
-          <a:fillRef idx="0">
-            <a:schemeClr val="dk1"/>
-          </a:fillRef>
-          <a:effectRef idx="1">
-            <a:schemeClr val="dk1"/>
-          </a:effectRef>
-          <a:fontRef idx="minor">
-            <a:schemeClr val="tx1"/>
-          </a:fontRef>
-        </p:style>
-      </p:cxnSp>
-      <p:cxnSp>
-        <p:nvCxnSpPr>
-          <p:cNvPr id="113" name="Straight Arrow Connector 112"/>
-          <p:cNvCxnSpPr>
-            <a:stCxn id="18" idx="1"/>
-            <a:endCxn id="19" idx="3"/>
-          </p:cNvCxnSpPr>
-          <p:nvPr/>
-        </p:nvCxnSpPr>
-        <p:spPr>
-          <a:xfrm flipH="1" flipV="1">
-            <a:off x="3766858" y="6218099"/>
-            <a:ext cx="1349387" cy="1705718"/>
-          </a:xfrm>
-          <a:prstGeom prst="straightConnector1">
-            <a:avLst/>
-          </a:prstGeom>
-          <a:ln>
-            <a:prstDash val="sysDash"/>
-            <a:tailEnd type="arrow"/>
-          </a:ln>
-          <a:effectLst/>
-        </p:spPr>
-        <p:style>
-          <a:lnRef idx="2">
-            <a:schemeClr val="dk1"/>
-          </a:lnRef>
-          <a:fillRef idx="0">
-            <a:schemeClr val="dk1"/>
-          </a:fillRef>
-          <a:effectRef idx="1">
-            <a:schemeClr val="dk1"/>
-          </a:effectRef>
-          <a:fontRef idx="minor">
-            <a:schemeClr val="tx1"/>
-          </a:fontRef>
-        </p:style>
-      </p:cxnSp>
-      <p:cxnSp>
-        <p:nvCxnSpPr>
-          <p:cNvPr id="123" name="Straight Arrow Connector 122"/>
-          <p:cNvCxnSpPr>
-            <a:stCxn id="20" idx="3"/>
-            <a:endCxn id="17" idx="1"/>
-          </p:cNvCxnSpPr>
-          <p:nvPr/>
-        </p:nvCxnSpPr>
-        <p:spPr>
-          <a:xfrm flipV="1">
-            <a:off x="3766858" y="4989321"/>
-            <a:ext cx="965503" cy="4567"/>
-          </a:xfrm>
-          <a:prstGeom prst="straightConnector1">
-            <a:avLst/>
-          </a:prstGeom>
-          <a:ln>
-            <a:tailEnd type="arrow"/>
-          </a:ln>
-          <a:effectLst/>
-        </p:spPr>
-        <p:style>
-          <a:lnRef idx="2">
-            <a:schemeClr val="dk1"/>
-          </a:lnRef>
-          <a:fillRef idx="0">
-            <a:schemeClr val="dk1"/>
-          </a:fillRef>
-          <a:effectRef idx="1">
-            <a:schemeClr val="dk1"/>
-          </a:effectRef>
-          <a:fontRef idx="minor">
-            <a:schemeClr val="tx1"/>
-          </a:fontRef>
-        </p:style>
-      </p:cxnSp>
-      <p:cxnSp>
-        <p:nvCxnSpPr>
-          <p:cNvPr id="126" name="Straight Arrow Connector 125"/>
-          <p:cNvCxnSpPr>
-            <a:stCxn id="17" idx="2"/>
-            <a:endCxn id="16" idx="3"/>
-          </p:cNvCxnSpPr>
-          <p:nvPr/>
-        </p:nvCxnSpPr>
-        <p:spPr>
-          <a:xfrm flipH="1">
-            <a:off x="3766858" y="5375460"/>
-            <a:ext cx="1630495" cy="2162218"/>
-          </a:xfrm>
-          <a:prstGeom prst="straightConnector1">
-            <a:avLst/>
-          </a:prstGeom>
-          <a:ln>
-            <a:tailEnd type="arrow"/>
-          </a:ln>
-          <a:effectLst/>
-        </p:spPr>
-        <p:style>
-          <a:lnRef idx="2">
-            <a:schemeClr val="dk1"/>
-          </a:lnRef>
-          <a:fillRef idx="0">
-            <a:schemeClr val="dk1"/>
-          </a:fillRef>
-          <a:effectRef idx="1">
-            <a:schemeClr val="dk1"/>
-          </a:effectRef>
-          <a:fontRef idx="minor">
-            <a:schemeClr val="tx1"/>
-          </a:fontRef>
-        </p:style>
-      </p:cxnSp>
-      <p:cxnSp>
-        <p:nvCxnSpPr>
-          <p:cNvPr id="131" name="Straight Arrow Connector 130"/>
-          <p:cNvCxnSpPr>
-            <a:stCxn id="7" idx="2"/>
-            <a:endCxn id="16" idx="1"/>
-          </p:cNvCxnSpPr>
-          <p:nvPr/>
-        </p:nvCxnSpPr>
-        <p:spPr>
-          <a:xfrm>
-            <a:off x="1136923" y="6604238"/>
-            <a:ext cx="1299951" cy="933440"/>
-          </a:xfrm>
-          <a:prstGeom prst="straightConnector1">
-            <a:avLst/>
-          </a:prstGeom>
-          <a:ln>
-            <a:tailEnd type="arrow"/>
-          </a:ln>
-          <a:effectLst/>
-        </p:spPr>
-        <p:style>
-          <a:lnRef idx="2">
-            <a:schemeClr val="dk1"/>
-          </a:lnRef>
-          <a:fillRef idx="0">
-            <a:schemeClr val="dk1"/>
-          </a:fillRef>
-          <a:effectRef idx="1">
-            <a:schemeClr val="dk1"/>
-          </a:effectRef>
-          <a:fontRef idx="minor">
-            <a:schemeClr val="tx1"/>
-          </a:fontRef>
-        </p:style>
-      </p:cxnSp>
-      <p:sp>
-        <p:nvSpPr>
-          <p:cNvPr id="140" name="Rounded Rectangle 139"/>
-          <p:cNvSpPr/>
-          <p:nvPr/>
-        </p:nvSpPr>
-        <p:spPr>
-          <a:xfrm>
-            <a:off x="471931" y="7481275"/>
-            <a:ext cx="1329984" cy="885083"/>
-          </a:xfrm>
-          <a:prstGeom prst="roundRect">
-            <a:avLst>
-              <a:gd name="adj" fmla="val 1"/>
-            </a:avLst>
-          </a:prstGeom>
-          <a:solidFill>
-            <a:schemeClr val="accent3">
-              <a:lumMod val="40000"/>
-              <a:lumOff val="60000"/>
-            </a:schemeClr>
-          </a:solidFill>
-        </p:spPr>
-        <p:style>
-          <a:lnRef idx="2">
-            <a:schemeClr val="dk1"/>
-          </a:lnRef>
-          <a:fillRef idx="1">
-            <a:schemeClr val="lt1"/>
-          </a:fillRef>
-          <a:effectRef idx="0">
-            <a:schemeClr val="dk1"/>
-          </a:effectRef>
-          <a:fontRef idx="minor">
-            <a:schemeClr val="dk1"/>
-          </a:fontRef>
-        </p:style>
-        <p:txBody>
-          <a:bodyPr rtlCol="0" anchor="ctr"/>
-          <a:lstStyle/>
-          <a:p>
-            <a:pPr algn="ctr"/>
-            <a:r>
-              <a:rPr lang="en-US" dirty="0" smtClean="0"/>
-              <a:t>group-wise T-tests</a:t>
-            </a:r>
-            <a:endParaRPr lang="en-US" dirty="0"/>
-          </a:p>
-        </p:txBody>
-      </p:sp>
-      <p:cxnSp>
-        <p:nvCxnSpPr>
-          <p:cNvPr id="148" name="Straight Arrow Connector 147"/>
-          <p:cNvCxnSpPr>
-            <a:stCxn id="7" idx="2"/>
-            <a:endCxn id="140" idx="0"/>
-          </p:cNvCxnSpPr>
-          <p:nvPr/>
-        </p:nvCxnSpPr>
-        <p:spPr>
-          <a:xfrm>
-            <a:off x="1136923" y="6604238"/>
-            <a:ext cx="0" cy="877037"/>
-          </a:xfrm>
-          <a:prstGeom prst="straightConnector1">
-            <a:avLst/>
-          </a:prstGeom>
-          <a:ln>
-            <a:prstDash val="sysDash"/>
-            <a:tailEnd type="arrow"/>
-          </a:ln>
-          <a:effectLst/>
-        </p:spPr>
-        <p:style>
-          <a:lnRef idx="2">
-            <a:schemeClr val="dk1"/>
-          </a:lnRef>
-          <a:fillRef idx="0">
-            <a:schemeClr val="dk1"/>
-          </a:fillRef>
-          <a:effectRef idx="1">
-            <a:schemeClr val="dk1"/>
-          </a:effectRef>
-          <a:fontRef idx="minor">
-            <a:schemeClr val="tx1"/>
-          </a:fontRef>
-        </p:style>
-      </p:cxnSp>
-      <p:sp>
-        <p:nvSpPr>
-          <p:cNvPr id="163" name="Action Button: Help 162">
-            <a:hlinkClick r:id="" action="ppaction://noaction" highlightClick="1"/>
-          </p:cNvPr>
-          <p:cNvSpPr/>
-          <p:nvPr/>
-        </p:nvSpPr>
-        <p:spPr>
-          <a:xfrm>
-            <a:off x="5948557" y="4749056"/>
-            <a:ext cx="497672" cy="480529"/>
-          </a:xfrm>
-          <a:prstGeom prst="actionButtonHelp">
+          <a:prstGeom prst="rect">
             <a:avLst/>
           </a:prstGeom>
         </p:spPr>
-        <p:style>
-          <a:lnRef idx="1">
-            <a:schemeClr val="accent6"/>
-          </a:lnRef>
-          <a:fillRef idx="3">
-            <a:schemeClr val="accent6"/>
-          </a:fillRef>
-          <a:effectRef idx="2">
-            <a:schemeClr val="accent6"/>
-          </a:effectRef>
-          <a:fontRef idx="minor">
-            <a:schemeClr val="lt1"/>
-          </a:fontRef>
-        </p:style>
-        <p:txBody>
-          <a:bodyPr rtlCol="0" anchor="ctr"/>
-          <a:lstStyle/>
-          <a:p>
-            <a:pPr algn="ctr"/>
-            <a:endParaRPr lang="en-US"/>
-          </a:p>
-        </p:txBody>
-      </p:sp>
-      <p:grpSp>
-        <p:nvGrpSpPr>
-          <p:cNvPr id="2" name="Group 1"/>
-          <p:cNvGrpSpPr/>
+      </p:pic>
+      <p:pic>
+        <p:nvPicPr>
+          <p:cNvPr id="5" name="Picture 4" descr="graph.dot.png"/>
+          <p:cNvPicPr>
+            <a:picLocks noChangeAspect="1"/>
+          </p:cNvPicPr>
           <p:nvPr/>
-        </p:nvGrpSpPr>
-        <p:grpSpPr>
-          <a:xfrm>
-            <a:off x="373256" y="3442004"/>
-            <a:ext cx="1578820" cy="772279"/>
-            <a:chOff x="360384" y="4221609"/>
-            <a:chExt cx="1578820" cy="772279"/>
-          </a:xfrm>
-        </p:grpSpPr>
-        <p:sp>
-          <p:nvSpPr>
-            <p:cNvPr id="170" name="Rounded Rectangle 169"/>
-            <p:cNvSpPr/>
-            <p:nvPr/>
-          </p:nvSpPr>
-          <p:spPr>
-            <a:xfrm>
-              <a:off x="360384" y="4221609"/>
-              <a:ext cx="1329984" cy="772279"/>
-            </a:xfrm>
-            <a:prstGeom prst="roundRect">
-              <a:avLst/>
-            </a:prstGeom>
-            <a:solidFill>
-              <a:srgbClr val="F2DCDB"/>
-            </a:solidFill>
-          </p:spPr>
-          <p:style>
-            <a:lnRef idx="2">
-              <a:schemeClr val="dk1"/>
-            </a:lnRef>
-            <a:fillRef idx="1">
-              <a:schemeClr val="lt1"/>
-            </a:fillRef>
-            <a:effectRef idx="0">
-              <a:schemeClr val="dk1"/>
-            </a:effectRef>
-            <a:fontRef idx="minor">
-              <a:schemeClr val="dk1"/>
-            </a:fontRef>
-          </p:style>
-          <p:txBody>
-            <a:bodyPr rtlCol="0" anchor="ctr"/>
-            <a:lstStyle/>
-            <a:p>
-              <a:pPr algn="ctr"/>
-              <a:r>
-                <a:rPr lang="en-US" dirty="0" smtClean="0"/>
-                <a:t>smooth</a:t>
-              </a:r>
-              <a:endParaRPr lang="en-US" dirty="0"/>
-            </a:p>
-          </p:txBody>
-        </p:sp>
-        <p:sp>
-          <p:nvSpPr>
-            <p:cNvPr id="171" name="Action Button: Help 170">
-              <a:hlinkClick r:id="" action="ppaction://noaction" highlightClick="1"/>
-            </p:cNvPr>
-            <p:cNvSpPr/>
-            <p:nvPr/>
-          </p:nvSpPr>
-          <p:spPr>
-            <a:xfrm>
-              <a:off x="1441532" y="4384830"/>
-              <a:ext cx="497672" cy="480529"/>
-            </a:xfrm>
-            <a:prstGeom prst="actionButtonHelp">
-              <a:avLst/>
-            </a:prstGeom>
-          </p:spPr>
-          <p:style>
-            <a:lnRef idx="1">
-              <a:schemeClr val="accent6"/>
-            </a:lnRef>
-            <a:fillRef idx="3">
-              <a:schemeClr val="accent6"/>
-            </a:fillRef>
-            <a:effectRef idx="2">
-              <a:schemeClr val="accent6"/>
-            </a:effectRef>
-            <a:fontRef idx="minor">
-              <a:schemeClr val="lt1"/>
-            </a:fontRef>
-          </p:style>
-          <p:txBody>
-            <a:bodyPr rtlCol="0" anchor="ctr"/>
-            <a:lstStyle/>
-            <a:p>
-              <a:pPr algn="ctr"/>
-              <a:endParaRPr lang="en-US"/>
-            </a:p>
-          </p:txBody>
-        </p:sp>
-      </p:grpSp>
-      <p:sp>
-        <p:nvSpPr>
-          <p:cNvPr id="39" name="Rounded Rectangle 38"/>
-          <p:cNvSpPr/>
-          <p:nvPr/>
-        </p:nvSpPr>
+        </p:nvPicPr>
+        <p:blipFill>
+          <a:blip r:embed="rId3">
+            <a:extLst>
+              <a:ext uri="{28A0092B-C50C-407E-A947-70E740481C1C}">
+                <a14:useLocalDpi xmlns:a14="http://schemas.microsoft.com/office/drawing/2010/main" val="0"/>
+              </a:ext>
+            </a:extLst>
+          </a:blip>
+          <a:stretch>
+            <a:fillRect/>
+          </a:stretch>
+        </p:blipFill>
         <p:spPr>
           <a:xfrm>
-            <a:off x="360384" y="2092037"/>
-            <a:ext cx="1329984" cy="772279"/>
+            <a:off x="4177707" y="115462"/>
+            <a:ext cx="4841214" cy="2795177"/>
           </a:xfrm>
-          <a:prstGeom prst="roundRect">
+          <a:prstGeom prst="rect">
             <a:avLst/>
           </a:prstGeom>
-          <a:solidFill>
-            <a:schemeClr val="accent2">
-              <a:lumMod val="20000"/>
-              <a:lumOff val="80000"/>
-            </a:schemeClr>
-          </a:solidFill>
         </p:spPr>
-        <p:style>
-          <a:lnRef idx="2">
-            <a:schemeClr val="dk1"/>
-          </a:lnRef>
-          <a:fillRef idx="1">
-            <a:schemeClr val="lt1"/>
-          </a:fillRef>
-          <a:effectRef idx="0">
-            <a:schemeClr val="dk1"/>
-          </a:effectRef>
-          <a:fontRef idx="minor">
-            <a:schemeClr val="dk1"/>
-          </a:fontRef>
-        </p:style>
-        <p:txBody>
-          <a:bodyPr rtlCol="0" anchor="ctr"/>
-          <a:lstStyle/>
-          <a:p>
-            <a:pPr algn="ctr"/>
-            <a:r>
-              <a:rPr lang="en-US" dirty="0" smtClean="0"/>
-              <a:t>Bias correction</a:t>
-            </a:r>
-            <a:endParaRPr lang="en-US" dirty="0"/>
-          </a:p>
-        </p:txBody>
-      </p:sp>
-      <p:sp>
-        <p:nvSpPr>
-          <p:cNvPr id="41" name="Rounded Rectangle 40"/>
-          <p:cNvSpPr/>
-          <p:nvPr/>
-        </p:nvSpPr>
-        <p:spPr>
-          <a:xfrm>
-            <a:off x="2436874" y="961059"/>
-            <a:ext cx="1329984" cy="772279"/>
-          </a:xfrm>
-          <a:prstGeom prst="roundRect">
-            <a:avLst/>
-          </a:prstGeom>
-          <a:solidFill>
-            <a:schemeClr val="bg1">
-              <a:lumMod val="85000"/>
-            </a:schemeClr>
-          </a:solidFill>
-        </p:spPr>
-        <p:style>
-          <a:lnRef idx="2">
-            <a:schemeClr val="dk1"/>
-          </a:lnRef>
-          <a:fillRef idx="1">
-            <a:schemeClr val="lt1"/>
-          </a:fillRef>
-          <a:effectRef idx="0">
-            <a:schemeClr val="dk1"/>
-          </a:effectRef>
-          <a:fontRef idx="minor">
-            <a:schemeClr val="dk1"/>
-          </a:fontRef>
-        </p:style>
-        <p:txBody>
-          <a:bodyPr rtlCol="0" anchor="ctr"/>
-          <a:lstStyle/>
-          <a:p>
-            <a:pPr algn="ctr"/>
-            <a:r>
-              <a:rPr lang="en-US" dirty="0" smtClean="0"/>
-              <a:t>Smoothing</a:t>
-            </a:r>
-            <a:endParaRPr lang="en-US" dirty="0"/>
-          </a:p>
-        </p:txBody>
-      </p:sp>
-      <p:cxnSp>
-        <p:nvCxnSpPr>
-          <p:cNvPr id="44" name="Straight Arrow Connector 43"/>
-          <p:cNvCxnSpPr>
-            <a:stCxn id="4" idx="3"/>
-            <a:endCxn id="41" idx="1"/>
-          </p:cNvCxnSpPr>
-          <p:nvPr/>
-        </p:nvCxnSpPr>
-        <p:spPr>
-          <a:xfrm>
-            <a:off x="1703240" y="1347199"/>
-            <a:ext cx="733634" cy="0"/>
-          </a:xfrm>
-          <a:prstGeom prst="straightConnector1">
-            <a:avLst/>
-          </a:prstGeom>
-          <a:ln>
-            <a:tailEnd type="arrow"/>
-          </a:ln>
-          <a:effectLst/>
-        </p:spPr>
-        <p:style>
-          <a:lnRef idx="2">
-            <a:schemeClr val="dk1"/>
-          </a:lnRef>
-          <a:fillRef idx="0">
-            <a:schemeClr val="dk1"/>
-          </a:fillRef>
-          <a:effectRef idx="1">
-            <a:schemeClr val="dk1"/>
-          </a:effectRef>
-          <a:fontRef idx="minor">
-            <a:schemeClr val="tx1"/>
-          </a:fontRef>
-        </p:style>
-      </p:cxnSp>
+      </p:pic>
     </p:spTree>
     <p:extLst>
       <p:ext uri="{BB962C8B-B14F-4D97-AF65-F5344CB8AC3E}">
-        <p14:creationId xmlns:p14="http://schemas.microsoft.com/office/powerpoint/2010/main" val="1489745967"/>
+        <p14:creationId xmlns:p14="http://schemas.microsoft.com/office/powerpoint/2010/main" val="378321327"/>
       </p:ext>
     </p:extLst>
   </p:cSld>

--- a/workflow.pptx
+++ b/workflow.pptx
@@ -5,8 +5,9 @@
     <p:sldMasterId id="2147483648" r:id="rId1"/>
   </p:sldMasterIdLst>
   <p:sldIdLst>
-    <p:sldId id="257" r:id="rId2"/>
-    <p:sldId id="258" r:id="rId3"/>
+    <p:sldId id="258" r:id="rId2"/>
+    <p:sldId id="257" r:id="rId3"/>
+    <p:sldId id="259" r:id="rId4"/>
   </p:sldIdLst>
   <p:sldSz cx="9144000" cy="6858000" type="screen4x3"/>
   <p:notesSz cx="6858000" cy="9144000"/>
@@ -289,7 +290,7 @@
           <a:p>
             <a:fld id="{E9FEAEC8-B7DF-AB4D-A829-E058579EA91B}" type="datetimeFigureOut">
               <a:rPr lang="en-US" smtClean="0"/>
-              <a:t>3/22/17</a:t>
+              <a:t>3/26/17</a:t>
             </a:fld>
             <a:endParaRPr lang="en-US"/>
           </a:p>
@@ -459,7 +460,7 @@
           <a:p>
             <a:fld id="{E9FEAEC8-B7DF-AB4D-A829-E058579EA91B}" type="datetimeFigureOut">
               <a:rPr lang="en-US" smtClean="0"/>
-              <a:t>3/22/17</a:t>
+              <a:t>3/26/17</a:t>
             </a:fld>
             <a:endParaRPr lang="en-US"/>
           </a:p>
@@ -639,7 +640,7 @@
           <a:p>
             <a:fld id="{E9FEAEC8-B7DF-AB4D-A829-E058579EA91B}" type="datetimeFigureOut">
               <a:rPr lang="en-US" smtClean="0"/>
-              <a:t>3/22/17</a:t>
+              <a:t>3/26/17</a:t>
             </a:fld>
             <a:endParaRPr lang="en-US"/>
           </a:p>
@@ -809,7 +810,7 @@
           <a:p>
             <a:fld id="{E9FEAEC8-B7DF-AB4D-A829-E058579EA91B}" type="datetimeFigureOut">
               <a:rPr lang="en-US" smtClean="0"/>
-              <a:t>3/22/17</a:t>
+              <a:t>3/26/17</a:t>
             </a:fld>
             <a:endParaRPr lang="en-US"/>
           </a:p>
@@ -1055,7 +1056,7 @@
           <a:p>
             <a:fld id="{E9FEAEC8-B7DF-AB4D-A829-E058579EA91B}" type="datetimeFigureOut">
               <a:rPr lang="en-US" smtClean="0"/>
-              <a:t>3/22/17</a:t>
+              <a:t>3/26/17</a:t>
             </a:fld>
             <a:endParaRPr lang="en-US"/>
           </a:p>
@@ -1343,7 +1344,7 @@
           <a:p>
             <a:fld id="{E9FEAEC8-B7DF-AB4D-A829-E058579EA91B}" type="datetimeFigureOut">
               <a:rPr lang="en-US" smtClean="0"/>
-              <a:t>3/22/17</a:t>
+              <a:t>3/26/17</a:t>
             </a:fld>
             <a:endParaRPr lang="en-US"/>
           </a:p>
@@ -1770,7 +1771,7 @@
           <a:p>
             <a:fld id="{E9FEAEC8-B7DF-AB4D-A829-E058579EA91B}" type="datetimeFigureOut">
               <a:rPr lang="en-US" smtClean="0"/>
-              <a:t>3/22/17</a:t>
+              <a:t>3/26/17</a:t>
             </a:fld>
             <a:endParaRPr lang="en-US"/>
           </a:p>
@@ -1888,7 +1889,7 @@
           <a:p>
             <a:fld id="{E9FEAEC8-B7DF-AB4D-A829-E058579EA91B}" type="datetimeFigureOut">
               <a:rPr lang="en-US" smtClean="0"/>
-              <a:t>3/22/17</a:t>
+              <a:t>3/26/17</a:t>
             </a:fld>
             <a:endParaRPr lang="en-US"/>
           </a:p>
@@ -1983,7 +1984,7 @@
           <a:p>
             <a:fld id="{E9FEAEC8-B7DF-AB4D-A829-E058579EA91B}" type="datetimeFigureOut">
               <a:rPr lang="en-US" smtClean="0"/>
-              <a:t>3/22/17</a:t>
+              <a:t>3/26/17</a:t>
             </a:fld>
             <a:endParaRPr lang="en-US"/>
           </a:p>
@@ -2260,7 +2261,7 @@
           <a:p>
             <a:fld id="{E9FEAEC8-B7DF-AB4D-A829-E058579EA91B}" type="datetimeFigureOut">
               <a:rPr lang="en-US" smtClean="0"/>
-              <a:t>3/22/17</a:t>
+              <a:t>3/26/17</a:t>
             </a:fld>
             <a:endParaRPr lang="en-US"/>
           </a:p>
@@ -2513,7 +2514,7 @@
           <a:p>
             <a:fld id="{E9FEAEC8-B7DF-AB4D-A829-E058579EA91B}" type="datetimeFigureOut">
               <a:rPr lang="en-US" smtClean="0"/>
-              <a:t>3/22/17</a:t>
+              <a:t>3/26/17</a:t>
             </a:fld>
             <a:endParaRPr lang="en-US"/>
           </a:p>
@@ -2726,7 +2727,7 @@
           <a:p>
             <a:fld id="{E9FEAEC8-B7DF-AB4D-A829-E058579EA91B}" type="datetimeFigureOut">
               <a:rPr lang="en-US" smtClean="0"/>
-              <a:t>3/22/17</a:t>
+              <a:t>3/26/17</a:t>
             </a:fld>
             <a:endParaRPr lang="en-US"/>
           </a:p>
@@ -3103,6 +3104,96 @@
       </p:grpSpPr>
       <p:pic>
         <p:nvPicPr>
+          <p:cNvPr id="4" name="Picture 3" descr="graph.dot.png"/>
+          <p:cNvPicPr>
+            <a:picLocks noChangeAspect="1"/>
+          </p:cNvPicPr>
+          <p:nvPr/>
+        </p:nvPicPr>
+        <p:blipFill>
+          <a:blip r:embed="rId2">
+            <a:extLst>
+              <a:ext uri="{28A0092B-C50C-407E-A947-70E740481C1C}">
+                <a14:useLocalDpi xmlns:a14="http://schemas.microsoft.com/office/drawing/2010/main" val="0"/>
+              </a:ext>
+            </a:extLst>
+          </a:blip>
+          <a:stretch>
+            <a:fillRect/>
+          </a:stretch>
+        </p:blipFill>
+        <p:spPr>
+          <a:xfrm>
+            <a:off x="153945" y="1443283"/>
+            <a:ext cx="4874448" cy="5193414"/>
+          </a:xfrm>
+          <a:prstGeom prst="rect">
+            <a:avLst/>
+          </a:prstGeom>
+        </p:spPr>
+      </p:pic>
+      <p:pic>
+        <p:nvPicPr>
+          <p:cNvPr id="2" name="Picture 1" descr="graph.dot.png"/>
+          <p:cNvPicPr>
+            <a:picLocks noChangeAspect="1"/>
+          </p:cNvPicPr>
+          <p:nvPr/>
+        </p:nvPicPr>
+        <p:blipFill>
+          <a:blip r:embed="rId3">
+            <a:extLst>
+              <a:ext uri="{28A0092B-C50C-407E-A947-70E740481C1C}">
+                <a14:useLocalDpi xmlns:a14="http://schemas.microsoft.com/office/drawing/2010/main" val="0"/>
+              </a:ext>
+            </a:extLst>
+          </a:blip>
+          <a:stretch>
+            <a:fillRect/>
+          </a:stretch>
+        </p:blipFill>
+        <p:spPr>
+          <a:xfrm>
+            <a:off x="5028393" y="1443283"/>
+            <a:ext cx="3369016" cy="4574055"/>
+          </a:xfrm>
+          <a:prstGeom prst="rect">
+            <a:avLst/>
+          </a:prstGeom>
+        </p:spPr>
+      </p:pic>
+    </p:spTree>
+    <p:extLst>
+      <p:ext uri="{BB962C8B-B14F-4D97-AF65-F5344CB8AC3E}">
+        <p14:creationId xmlns:p14="http://schemas.microsoft.com/office/powerpoint/2010/main" val="378321327"/>
+      </p:ext>
+    </p:extLst>
+  </p:cSld>
+  <p:clrMapOvr>
+    <a:masterClrMapping/>
+  </p:clrMapOvr>
+</p:sld>
+</file>
+
+<file path=ppt/slides/slide2.xml><?xml version="1.0" encoding="utf-8"?>
+<p:sld xmlns:a="http://schemas.openxmlformats.org/drawingml/2006/main" xmlns:r="http://schemas.openxmlformats.org/officeDocument/2006/relationships" xmlns:p="http://schemas.openxmlformats.org/presentationml/2006/main">
+  <p:cSld>
+    <p:spTree>
+      <p:nvGrpSpPr>
+        <p:cNvPr id="1" name=""/>
+        <p:cNvGrpSpPr/>
+        <p:nvPr/>
+      </p:nvGrpSpPr>
+      <p:grpSpPr>
+        <a:xfrm>
+          <a:off x="0" y="0"/>
+          <a:ext cx="0" cy="0"/>
+          <a:chOff x="0" y="0"/>
+          <a:chExt cx="0" cy="0"/>
+        </a:xfrm>
+      </p:grpSpPr>
+      <p:pic>
+        <p:nvPicPr>
           <p:cNvPr id="6" name="Picture 5" descr="graph_detailed.dot.png"/>
           <p:cNvPicPr>
             <a:picLocks noChangeAspect="1"/>
@@ -3144,7 +3235,7 @@
 </p:sld>
 </file>
 
-<file path=ppt/slides/slide2.xml><?xml version="1.0" encoding="utf-8"?>
+<file path=ppt/slides/slide3.xml><?xml version="1.0" encoding="utf-8"?>
 <p:sld xmlns:a="http://schemas.openxmlformats.org/drawingml/2006/main" xmlns:r="http://schemas.openxmlformats.org/officeDocument/2006/relationships" xmlns:p="http://schemas.openxmlformats.org/presentationml/2006/main">
   <p:cSld>
     <p:spTree>
@@ -3163,7 +3254,7 @@
       </p:grpSpPr>
       <p:pic>
         <p:nvPicPr>
-          <p:cNvPr id="4" name="Picture 3" descr="graph.dot.png"/>
+          <p:cNvPr id="4" name="Picture 3" descr="graph_detailed.dot.png"/>
           <p:cNvPicPr>
             <a:picLocks noChangeAspect="1"/>
           </p:cNvPicPr>
@@ -3183,38 +3274,8 @@
         </p:blipFill>
         <p:spPr>
           <a:xfrm>
-            <a:off x="153945" y="1443283"/>
-            <a:ext cx="4874448" cy="5193414"/>
-          </a:xfrm>
-          <a:prstGeom prst="rect">
-            <a:avLst/>
-          </a:prstGeom>
-        </p:spPr>
-      </p:pic>
-      <p:pic>
-        <p:nvPicPr>
-          <p:cNvPr id="5" name="Picture 4" descr="graph.dot.png"/>
-          <p:cNvPicPr>
-            <a:picLocks noChangeAspect="1"/>
-          </p:cNvPicPr>
-          <p:nvPr/>
-        </p:nvPicPr>
-        <p:blipFill>
-          <a:blip r:embed="rId3">
-            <a:extLst>
-              <a:ext uri="{28A0092B-C50C-407E-A947-70E740481C1C}">
-                <a14:useLocalDpi xmlns:a14="http://schemas.microsoft.com/office/drawing/2010/main" val="0"/>
-              </a:ext>
-            </a:extLst>
-          </a:blip>
-          <a:stretch>
-            <a:fillRect/>
-          </a:stretch>
-        </p:blipFill>
-        <p:spPr>
-          <a:xfrm>
-            <a:off x="4177707" y="115462"/>
-            <a:ext cx="4841214" cy="2795177"/>
+            <a:off x="143267" y="769293"/>
+            <a:ext cx="8865727" cy="5140829"/>
           </a:xfrm>
           <a:prstGeom prst="rect">
             <a:avLst/>
@@ -3224,7 +3285,7 @@
     </p:spTree>
     <p:extLst>
       <p:ext uri="{BB962C8B-B14F-4D97-AF65-F5344CB8AC3E}">
-        <p14:creationId xmlns:p14="http://schemas.microsoft.com/office/powerpoint/2010/main" val="378321327"/>
+        <p14:creationId xmlns:p14="http://schemas.microsoft.com/office/powerpoint/2010/main" val="510218435"/>
       </p:ext>
     </p:extLst>
   </p:cSld>

--- a/workflow.pptx
+++ b/workflow.pptx
@@ -290,7 +290,7 @@
           <a:p>
             <a:fld id="{E9FEAEC8-B7DF-AB4D-A829-E058579EA91B}" type="datetimeFigureOut">
               <a:rPr lang="en-US" smtClean="0"/>
-              <a:t>3/26/17</a:t>
+              <a:t>4/13/17</a:t>
             </a:fld>
             <a:endParaRPr lang="en-US"/>
           </a:p>
@@ -460,7 +460,7 @@
           <a:p>
             <a:fld id="{E9FEAEC8-B7DF-AB4D-A829-E058579EA91B}" type="datetimeFigureOut">
               <a:rPr lang="en-US" smtClean="0"/>
-              <a:t>3/26/17</a:t>
+              <a:t>4/13/17</a:t>
             </a:fld>
             <a:endParaRPr lang="en-US"/>
           </a:p>
@@ -640,7 +640,7 @@
           <a:p>
             <a:fld id="{E9FEAEC8-B7DF-AB4D-A829-E058579EA91B}" type="datetimeFigureOut">
               <a:rPr lang="en-US" smtClean="0"/>
-              <a:t>3/26/17</a:t>
+              <a:t>4/13/17</a:t>
             </a:fld>
             <a:endParaRPr lang="en-US"/>
           </a:p>
@@ -810,7 +810,7 @@
           <a:p>
             <a:fld id="{E9FEAEC8-B7DF-AB4D-A829-E058579EA91B}" type="datetimeFigureOut">
               <a:rPr lang="en-US" smtClean="0"/>
-              <a:t>3/26/17</a:t>
+              <a:t>4/13/17</a:t>
             </a:fld>
             <a:endParaRPr lang="en-US"/>
           </a:p>
@@ -1056,7 +1056,7 @@
           <a:p>
             <a:fld id="{E9FEAEC8-B7DF-AB4D-A829-E058579EA91B}" type="datetimeFigureOut">
               <a:rPr lang="en-US" smtClean="0"/>
-              <a:t>3/26/17</a:t>
+              <a:t>4/13/17</a:t>
             </a:fld>
             <a:endParaRPr lang="en-US"/>
           </a:p>
@@ -1344,7 +1344,7 @@
           <a:p>
             <a:fld id="{E9FEAEC8-B7DF-AB4D-A829-E058579EA91B}" type="datetimeFigureOut">
               <a:rPr lang="en-US" smtClean="0"/>
-              <a:t>3/26/17</a:t>
+              <a:t>4/13/17</a:t>
             </a:fld>
             <a:endParaRPr lang="en-US"/>
           </a:p>
@@ -1771,7 +1771,7 @@
           <a:p>
             <a:fld id="{E9FEAEC8-B7DF-AB4D-A829-E058579EA91B}" type="datetimeFigureOut">
               <a:rPr lang="en-US" smtClean="0"/>
-              <a:t>3/26/17</a:t>
+              <a:t>4/13/17</a:t>
             </a:fld>
             <a:endParaRPr lang="en-US"/>
           </a:p>
@@ -1889,7 +1889,7 @@
           <a:p>
             <a:fld id="{E9FEAEC8-B7DF-AB4D-A829-E058579EA91B}" type="datetimeFigureOut">
               <a:rPr lang="en-US" smtClean="0"/>
-              <a:t>3/26/17</a:t>
+              <a:t>4/13/17</a:t>
             </a:fld>
             <a:endParaRPr lang="en-US"/>
           </a:p>
@@ -1984,7 +1984,7 @@
           <a:p>
             <a:fld id="{E9FEAEC8-B7DF-AB4D-A829-E058579EA91B}" type="datetimeFigureOut">
               <a:rPr lang="en-US" smtClean="0"/>
-              <a:t>3/26/17</a:t>
+              <a:t>4/13/17</a:t>
             </a:fld>
             <a:endParaRPr lang="en-US"/>
           </a:p>
@@ -2261,7 +2261,7 @@
           <a:p>
             <a:fld id="{E9FEAEC8-B7DF-AB4D-A829-E058579EA91B}" type="datetimeFigureOut">
               <a:rPr lang="en-US" smtClean="0"/>
-              <a:t>3/26/17</a:t>
+              <a:t>4/13/17</a:t>
             </a:fld>
             <a:endParaRPr lang="en-US"/>
           </a:p>
@@ -2514,7 +2514,7 @@
           <a:p>
             <a:fld id="{E9FEAEC8-B7DF-AB4D-A829-E058579EA91B}" type="datetimeFigureOut">
               <a:rPr lang="en-US" smtClean="0"/>
-              <a:t>3/26/17</a:t>
+              <a:t>4/13/17</a:t>
             </a:fld>
             <a:endParaRPr lang="en-US"/>
           </a:p>
@@ -2727,7 +2727,7 @@
           <a:p>
             <a:fld id="{E9FEAEC8-B7DF-AB4D-A829-E058579EA91B}" type="datetimeFigureOut">
               <a:rPr lang="en-US" smtClean="0"/>
-              <a:t>3/26/17</a:t>
+              <a:t>4/13/17</a:t>
             </a:fld>
             <a:endParaRPr lang="en-US"/>
           </a:p>
@@ -3104,7 +3104,7 @@
       </p:grpSpPr>
       <p:pic>
         <p:nvPicPr>
-          <p:cNvPr id="4" name="Picture 3" descr="graph.dot.png"/>
+          <p:cNvPr id="3" name="Picture 2" descr="graph.dot.png"/>
           <p:cNvPicPr>
             <a:picLocks noChangeAspect="1"/>
           </p:cNvPicPr>
@@ -3124,8 +3124,8 @@
         </p:blipFill>
         <p:spPr>
           <a:xfrm>
-            <a:off x="153945" y="1443283"/>
-            <a:ext cx="4874448" cy="5193414"/>
+            <a:off x="130566" y="925874"/>
+            <a:ext cx="5351912" cy="4733237"/>
           </a:xfrm>
           <a:prstGeom prst="rect">
             <a:avLst/>
@@ -3134,7 +3134,7 @@
       </p:pic>
       <p:pic>
         <p:nvPicPr>
-          <p:cNvPr id="2" name="Picture 1" descr="graph.dot.png"/>
+          <p:cNvPr id="5" name="Picture 4" descr="graph.dot.png"/>
           <p:cNvPicPr>
             <a:picLocks noChangeAspect="1"/>
           </p:cNvPicPr>
@@ -3154,8 +3154,8 @@
         </p:blipFill>
         <p:spPr>
           <a:xfrm>
-            <a:off x="5028393" y="1443283"/>
-            <a:ext cx="3369016" cy="4574055"/>
+            <a:off x="5649030" y="1554996"/>
+            <a:ext cx="3494970" cy="4104115"/>
           </a:xfrm>
           <a:prstGeom prst="rect">
             <a:avLst/>
@@ -3194,7 +3194,7 @@
       </p:grpSpPr>
       <p:pic>
         <p:nvPicPr>
-          <p:cNvPr id="6" name="Picture 5" descr="graph_detailed.dot.png"/>
+          <p:cNvPr id="2" name="Picture 1" descr="graph_detailed.dot.png"/>
           <p:cNvPicPr>
             <a:picLocks noChangeAspect="1"/>
           </p:cNvPicPr>
@@ -3214,8 +3214,8 @@
         </p:blipFill>
         <p:spPr>
           <a:xfrm>
-            <a:off x="421603" y="279033"/>
-            <a:ext cx="8183595" cy="6453881"/>
+            <a:off x="0" y="528481"/>
+            <a:ext cx="9144000" cy="6065150"/>
           </a:xfrm>
           <a:prstGeom prst="rect">
             <a:avLst/>
@@ -3254,7 +3254,7 @@
       </p:grpSpPr>
       <p:pic>
         <p:nvPicPr>
-          <p:cNvPr id="4" name="Picture 3" descr="graph_detailed.dot.png"/>
+          <p:cNvPr id="2" name="Picture 1" descr="graph_detailed.dot.png"/>
           <p:cNvPicPr>
             <a:picLocks noChangeAspect="1"/>
           </p:cNvPicPr>
@@ -3274,8 +3274,8 @@
         </p:blipFill>
         <p:spPr>
           <a:xfrm>
-            <a:off x="143267" y="769293"/>
-            <a:ext cx="8865727" cy="5140829"/>
+            <a:off x="0" y="771562"/>
+            <a:ext cx="9144000" cy="5122279"/>
           </a:xfrm>
           <a:prstGeom prst="rect">
             <a:avLst/>
